--- a/宣道詩/(宣道詩215)永遠在我心裡.pptx
+++ b/宣道詩/(宣道詩215)永遠在我心裡.pptx
@@ -109,6 +109,22 @@
       </a:defRPr>
     </a:lvl9pPr>
   </p:defaultTextStyle>
+  <p:extLst>
+    <p:ext uri="{EFAFB233-063F-42B5-8137-9DF3F51BA10A}">
+      <p15:sldGuideLst xmlns:p15="http://schemas.microsoft.com/office/powerpoint/2012/main">
+        <p15:guide id="1" orient="horz" pos="1620">
+          <p15:clr>
+            <a:srgbClr val="A4A3A4"/>
+          </p15:clr>
+        </p15:guide>
+        <p15:guide id="2" pos="2880">
+          <p15:clr>
+            <a:srgbClr val="A4A3A4"/>
+          </p15:clr>
+        </p15:guide>
+      </p15:sldGuideLst>
+    </p:ext>
+  </p:extLst>
 </p:presentation>
 </file>
 
@@ -298,7 +314,7 @@
             <a:fld id="{B082F816-EC02-44DC-A524-356D9FDC5FDD}" type="datetimeFigureOut">
               <a:rPr lang="en-US" smtClean="0"/>
               <a:pPr/>
-              <a:t>3/28/2020</a:t>
+              <a:t>8/22/2020</a:t>
             </a:fld>
             <a:endParaRPr lang="en-US"/>
           </a:p>
@@ -472,7 +488,7 @@
             <a:fld id="{B082F816-EC02-44DC-A524-356D9FDC5FDD}" type="datetimeFigureOut">
               <a:rPr lang="en-US" smtClean="0"/>
               <a:pPr/>
-              <a:t>3/28/2020</a:t>
+              <a:t>8/22/2020</a:t>
             </a:fld>
             <a:endParaRPr lang="en-US"/>
           </a:p>
@@ -656,7 +672,7 @@
             <a:fld id="{B082F816-EC02-44DC-A524-356D9FDC5FDD}" type="datetimeFigureOut">
               <a:rPr lang="en-US" smtClean="0"/>
               <a:pPr/>
-              <a:t>3/28/2020</a:t>
+              <a:t>8/22/2020</a:t>
             </a:fld>
             <a:endParaRPr lang="en-US"/>
           </a:p>
@@ -830,7 +846,7 @@
             <a:fld id="{B082F816-EC02-44DC-A524-356D9FDC5FDD}" type="datetimeFigureOut">
               <a:rPr lang="en-US" smtClean="0"/>
               <a:pPr/>
-              <a:t>3/28/2020</a:t>
+              <a:t>8/22/2020</a:t>
             </a:fld>
             <a:endParaRPr lang="en-US"/>
           </a:p>
@@ -1080,7 +1096,7 @@
             <a:fld id="{B082F816-EC02-44DC-A524-356D9FDC5FDD}" type="datetimeFigureOut">
               <a:rPr lang="en-US" smtClean="0"/>
               <a:pPr/>
-              <a:t>3/28/2020</a:t>
+              <a:t>8/22/2020</a:t>
             </a:fld>
             <a:endParaRPr lang="en-US"/>
           </a:p>
@@ -1372,7 +1388,7 @@
             <a:fld id="{B082F816-EC02-44DC-A524-356D9FDC5FDD}" type="datetimeFigureOut">
               <a:rPr lang="en-US" smtClean="0"/>
               <a:pPr/>
-              <a:t>3/28/2020</a:t>
+              <a:t>8/22/2020</a:t>
             </a:fld>
             <a:endParaRPr lang="en-US"/>
           </a:p>
@@ -1798,7 +1814,7 @@
             <a:fld id="{B082F816-EC02-44DC-A524-356D9FDC5FDD}" type="datetimeFigureOut">
               <a:rPr lang="en-US" smtClean="0"/>
               <a:pPr/>
-              <a:t>3/28/2020</a:t>
+              <a:t>8/22/2020</a:t>
             </a:fld>
             <a:endParaRPr lang="en-US"/>
           </a:p>
@@ -1920,7 +1936,7 @@
             <a:fld id="{B082F816-EC02-44DC-A524-356D9FDC5FDD}" type="datetimeFigureOut">
               <a:rPr lang="en-US" smtClean="0"/>
               <a:pPr/>
-              <a:t>3/28/2020</a:t>
+              <a:t>8/22/2020</a:t>
             </a:fld>
             <a:endParaRPr lang="en-US"/>
           </a:p>
@@ -2019,7 +2035,7 @@
             <a:fld id="{B082F816-EC02-44DC-A524-356D9FDC5FDD}" type="datetimeFigureOut">
               <a:rPr lang="en-US" smtClean="0"/>
               <a:pPr/>
-              <a:t>3/28/2020</a:t>
+              <a:t>8/22/2020</a:t>
             </a:fld>
             <a:endParaRPr lang="en-US"/>
           </a:p>
@@ -2300,7 +2316,7 @@
             <a:fld id="{B082F816-EC02-44DC-A524-356D9FDC5FDD}" type="datetimeFigureOut">
               <a:rPr lang="en-US" smtClean="0"/>
               <a:pPr/>
-              <a:t>3/28/2020</a:t>
+              <a:t>8/22/2020</a:t>
             </a:fld>
             <a:endParaRPr lang="en-US"/>
           </a:p>
@@ -2561,7 +2577,7 @@
             <a:fld id="{B082F816-EC02-44DC-A524-356D9FDC5FDD}" type="datetimeFigureOut">
               <a:rPr lang="en-US" smtClean="0"/>
               <a:pPr/>
-              <a:t>3/28/2020</a:t>
+              <a:t>8/22/2020</a:t>
             </a:fld>
             <a:endParaRPr lang="en-US"/>
           </a:p>
@@ -2783,7 +2799,7 @@
             <a:fld id="{B082F816-EC02-44DC-A524-356D9FDC5FDD}" type="datetimeFigureOut">
               <a:rPr lang="en-US" smtClean="0"/>
               <a:pPr/>
-              <a:t>3/28/2020</a:t>
+              <a:t>8/22/2020</a:t>
             </a:fld>
             <a:endParaRPr lang="en-US"/>
           </a:p>
@@ -3169,7 +3185,7 @@
           <p:cNvPr id="2" name="Title 1">
             <a:extLst>
               <a:ext uri="{FF2B5EF4-FFF2-40B4-BE49-F238E27FC236}">
-                <a16:creationId xmlns="" xmlns:a16="http://schemas.microsoft.com/office/drawing/2014/main" id="{AF9FD075-AEC5-4137-94C0-C4C53556BC02}"/>
+                <a16:creationId xmlns:a16="http://schemas.microsoft.com/office/drawing/2014/main" id="{AF9FD075-AEC5-4137-94C0-C4C53556BC02}"/>
               </a:ext>
             </a:extLst>
           </p:cNvPr>
@@ -3182,7 +3198,9 @@
         </p:nvSpPr>
         <p:spPr/>
         <p:txBody>
-          <a:bodyPr/>
+          <a:bodyPr>
+            <a:normAutofit/>
+          </a:bodyPr>
           <a:lstStyle/>
           <a:p>
             <a:pPr algn="ctr"/>
@@ -3211,7 +3229,7 @@
           <p:cNvPr id="3" name="Content Placeholder 2">
             <a:extLst>
               <a:ext uri="{FF2B5EF4-FFF2-40B4-BE49-F238E27FC236}">
-                <a16:creationId xmlns="" xmlns:a16="http://schemas.microsoft.com/office/drawing/2014/main" id="{D8B275D4-3DA6-4D2A-BF50-7BDA9D9CE988}"/>
+                <a16:creationId xmlns:a16="http://schemas.microsoft.com/office/drawing/2014/main" id="{D8B275D4-3DA6-4D2A-BF50-7BDA9D9CE988}"/>
               </a:ext>
             </a:extLst>
           </p:cNvPr>
@@ -3238,7 +3256,7 @@
               <a:buNone/>
             </a:pPr>
             <a:r>
-              <a:rPr lang="zh-TW" altLang="en-US" sz="5400" b="1" dirty="0">
+              <a:rPr lang="zh-TW" altLang="en-US" sz="4800" b="1" dirty="0">
                 <a:solidFill>
                   <a:srgbClr val="660033"/>
                 </a:solidFill>
@@ -3248,26 +3266,36 @@
               <a:t>有平安在我心</a:t>
             </a:r>
             <a:r>
-              <a:rPr lang="en-US" altLang="zh-TW" sz="5400" b="1" dirty="0">
+              <a:rPr lang="en-US" altLang="zh-TW" sz="4800" b="1" dirty="0">
                 <a:solidFill>
                   <a:srgbClr val="660033"/>
                 </a:solidFill>
                 <a:latin typeface="Microsoft JhengHei" panose="020B0604030504040204" pitchFamily="34" charset="-120"/>
                 <a:ea typeface="Microsoft JhengHei" panose="020B0604030504040204" pitchFamily="34" charset="-120"/>
               </a:rPr>
-              <a:t>   </a:t>
-            </a:r>
-            <a:r>
-              <a:rPr lang="zh-TW" altLang="en-US" sz="5400" b="1" dirty="0">
+              <a:t>  </a:t>
+            </a:r>
+            <a:r>
+              <a:rPr lang="zh-TW" altLang="en-US" sz="4800" b="1" dirty="0" smtClean="0">
                 <a:solidFill>
                   <a:srgbClr val="660033"/>
                 </a:solidFill>
                 <a:latin typeface="Microsoft JhengHei" panose="020B0604030504040204" pitchFamily="34" charset="-120"/>
                 <a:ea typeface="Microsoft JhengHei" panose="020B0604030504040204" pitchFamily="34" charset="-120"/>
               </a:rPr>
-              <a:t>非世界所能賜</a:t>
-            </a:r>
-            <a:endParaRPr lang="en-US" altLang="zh-TW" sz="5400" b="1" dirty="0">
+              <a:t>非</a:t>
+            </a:r>
+            <a:r>
+              <a:rPr lang="zh-TW" altLang="en-US" sz="4800" b="1" dirty="0">
+                <a:solidFill>
+                  <a:srgbClr val="660033"/>
+                </a:solidFill>
+                <a:latin typeface="Microsoft JhengHei" panose="020B0604030504040204" pitchFamily="34" charset="-120"/>
+                <a:ea typeface="Microsoft JhengHei" panose="020B0604030504040204" pitchFamily="34" charset="-120"/>
+              </a:rPr>
+              <a:t>世界所能賜</a:t>
+            </a:r>
+            <a:endParaRPr lang="en-US" altLang="zh-TW" sz="4800" b="1" dirty="0">
               <a:solidFill>
                 <a:srgbClr val="660033"/>
               </a:solidFill>
@@ -3280,7 +3308,7 @@
               <a:buNone/>
             </a:pPr>
             <a:r>
-              <a:rPr lang="zh-TW" altLang="en-US" sz="5400" b="1" dirty="0">
+              <a:rPr lang="zh-TW" altLang="en-US" sz="4800" b="1" dirty="0">
                 <a:solidFill>
                   <a:srgbClr val="660033"/>
                 </a:solidFill>
@@ -3289,7 +3317,7 @@
               </a:rPr>
               <a:t>平安沒有人能奪去</a:t>
             </a:r>
-            <a:endParaRPr lang="en-US" altLang="zh-TW" sz="5400" b="1" dirty="0">
+            <a:endParaRPr lang="en-US" altLang="zh-TW" sz="4800" b="1" dirty="0">
               <a:solidFill>
                 <a:srgbClr val="660033"/>
               </a:solidFill>
@@ -3302,7 +3330,7 @@
               <a:buNone/>
             </a:pPr>
             <a:r>
-              <a:rPr lang="zh-TW" altLang="en-US" sz="5400" b="1" dirty="0">
+              <a:rPr lang="zh-TW" altLang="en-US" sz="4800" b="1" dirty="0">
                 <a:solidFill>
                   <a:srgbClr val="660033"/>
                 </a:solidFill>
@@ -3311,7 +3339,7 @@
               </a:rPr>
               <a:t>雖試煉與艱難如愁雲之環繞</a:t>
             </a:r>
-            <a:endParaRPr lang="en-US" altLang="zh-TW" sz="5400" b="1" dirty="0">
+            <a:endParaRPr lang="en-US" altLang="zh-TW" sz="4800" b="1" dirty="0">
               <a:solidFill>
                 <a:srgbClr val="660033"/>
               </a:solidFill>
@@ -3324,7 +3352,7 @@
               <a:buNone/>
             </a:pPr>
             <a:r>
-              <a:rPr lang="zh-TW" altLang="en-US" sz="5400" b="1" dirty="0">
+              <a:rPr lang="zh-TW" altLang="en-US" sz="4800" b="1" dirty="0">
                 <a:solidFill>
                   <a:srgbClr val="660033"/>
                 </a:solidFill>
@@ -3333,7 +3361,7 @@
               </a:rPr>
               <a:t>我心裡永遠有這平安</a:t>
             </a:r>
-            <a:endParaRPr lang="en-US" sz="5400" b="1" dirty="0">
+            <a:endParaRPr lang="en-US" sz="4800" b="1" dirty="0">
               <a:solidFill>
                 <a:srgbClr val="660033"/>
               </a:solidFill>
@@ -3343,10 +3371,48 @@
           </a:p>
         </p:txBody>
       </p:sp>
+      <p:sp>
+        <p:nvSpPr>
+          <p:cNvPr id="4" name="TextBox 3"/>
+          <p:cNvSpPr txBox="1"/>
+          <p:nvPr/>
+        </p:nvSpPr>
+        <p:spPr>
+          <a:xfrm>
+            <a:off x="-3068" y="1478997"/>
+            <a:ext cx="659718" cy="769441"/>
+          </a:xfrm>
+          <a:prstGeom prst="rect">
+            <a:avLst/>
+          </a:prstGeom>
+          <a:noFill/>
+        </p:spPr>
+        <p:txBody>
+          <a:bodyPr wrap="square" rtlCol="0">
+            <a:spAutoFit/>
+          </a:bodyPr>
+          <a:lstStyle/>
+          <a:p>
+            <a:r>
+              <a:rPr lang="en-US" sz="4400" b="1" dirty="0" smtClean="0">
+                <a:solidFill>
+                  <a:srgbClr val="660033"/>
+                </a:solidFill>
+              </a:rPr>
+              <a:t>1.</a:t>
+            </a:r>
+            <a:endParaRPr lang="vi-VN" sz="4400" b="1" dirty="0">
+              <a:solidFill>
+                <a:srgbClr val="660033"/>
+              </a:solidFill>
+            </a:endParaRPr>
+          </a:p>
+        </p:txBody>
+      </p:sp>
     </p:spTree>
     <p:extLst>
       <p:ext uri="{BB962C8B-B14F-4D97-AF65-F5344CB8AC3E}">
-        <p14:creationId xmlns="" xmlns:p14="http://schemas.microsoft.com/office/powerpoint/2010/main" val="835851580"/>
+        <p14:creationId xmlns:p14="http://schemas.microsoft.com/office/powerpoint/2010/main" val="835851580"/>
       </p:ext>
     </p:extLst>
   </p:cSld>
@@ -3378,7 +3444,7 @@
           <p:cNvPr id="2" name="Title 1">
             <a:extLst>
               <a:ext uri="{FF2B5EF4-FFF2-40B4-BE49-F238E27FC236}">
-                <a16:creationId xmlns="" xmlns:a16="http://schemas.microsoft.com/office/drawing/2014/main" id="{AF9FD075-AEC5-4137-94C0-C4C53556BC02}"/>
+                <a16:creationId xmlns:a16="http://schemas.microsoft.com/office/drawing/2014/main" id="{AF9FD075-AEC5-4137-94C0-C4C53556BC02}"/>
               </a:ext>
             </a:extLst>
           </p:cNvPr>
@@ -3391,7 +3457,9 @@
         </p:nvSpPr>
         <p:spPr/>
         <p:txBody>
-          <a:bodyPr/>
+          <a:bodyPr>
+            <a:normAutofit/>
+          </a:bodyPr>
           <a:lstStyle/>
           <a:p>
             <a:pPr algn="ctr"/>
@@ -3420,7 +3488,7 @@
           <p:cNvPr id="3" name="Content Placeholder 2">
             <a:extLst>
               <a:ext uri="{FF2B5EF4-FFF2-40B4-BE49-F238E27FC236}">
-                <a16:creationId xmlns="" xmlns:a16="http://schemas.microsoft.com/office/drawing/2014/main" id="{D8B275D4-3DA6-4D2A-BF50-7BDA9D9CE988}"/>
+                <a16:creationId xmlns:a16="http://schemas.microsoft.com/office/drawing/2014/main" id="{D8B275D4-3DA6-4D2A-BF50-7BDA9D9CE988}"/>
               </a:ext>
             </a:extLst>
           </p:cNvPr>
@@ -3447,7 +3515,7 @@
               <a:buNone/>
             </a:pPr>
             <a:r>
-              <a:rPr lang="zh-TW" altLang="en-US" sz="5400" b="1" dirty="0">
+              <a:rPr lang="zh-TW" altLang="en-US" sz="4800" b="1" dirty="0">
                 <a:solidFill>
                   <a:srgbClr val="660033"/>
                 </a:solidFill>
@@ -3457,7 +3525,7 @@
               </a:rPr>
               <a:t>永遠在我心裡   耶穌屬我</a:t>
             </a:r>
-            <a:endParaRPr lang="en-US" altLang="zh-TW" sz="5400" b="1" dirty="0">
+            <a:endParaRPr lang="en-US" altLang="zh-TW" sz="4800" b="1" dirty="0">
               <a:solidFill>
                 <a:srgbClr val="660033"/>
               </a:solidFill>
@@ -3471,7 +3539,7 @@
               <a:buNone/>
             </a:pPr>
             <a:r>
-              <a:rPr lang="zh-TW" altLang="en-US" sz="5400" b="1" dirty="0">
+              <a:rPr lang="zh-TW" altLang="en-US" sz="4800" b="1" dirty="0">
                 <a:solidFill>
                   <a:srgbClr val="660033"/>
                 </a:solidFill>
@@ -3481,7 +3549,7 @@
               </a:rPr>
               <a:t>永遠在我心裡   無上快樂</a:t>
             </a:r>
-            <a:endParaRPr lang="en-US" altLang="zh-TW" sz="5400" b="1" dirty="0">
+            <a:endParaRPr lang="en-US" altLang="zh-TW" sz="4800" b="1" dirty="0">
               <a:solidFill>
                 <a:srgbClr val="660033"/>
               </a:solidFill>
@@ -3495,7 +3563,7 @@
               <a:buNone/>
             </a:pPr>
             <a:r>
-              <a:rPr lang="zh-TW" altLang="en-US" sz="5400" b="1" dirty="0">
+              <a:rPr lang="zh-TW" altLang="en-US" sz="4800" b="1" dirty="0">
                 <a:solidFill>
                   <a:srgbClr val="660033"/>
                 </a:solidFill>
@@ -3505,7 +3573,7 @@
               </a:rPr>
               <a:t>主云總不撇下你   慈聲對你說</a:t>
             </a:r>
-            <a:endParaRPr lang="en-US" altLang="zh-TW" sz="5400" b="1" dirty="0">
+            <a:endParaRPr lang="en-US" altLang="zh-TW" sz="4800" b="1" dirty="0">
               <a:solidFill>
                 <a:srgbClr val="660033"/>
               </a:solidFill>
@@ -3519,7 +3587,7 @@
               <a:buNone/>
             </a:pPr>
             <a:r>
-              <a:rPr lang="zh-TW" altLang="en-US" sz="5400" b="1" dirty="0">
+              <a:rPr lang="zh-TW" altLang="en-US" sz="4800" b="1" dirty="0">
                 <a:solidFill>
                   <a:srgbClr val="660033"/>
                 </a:solidFill>
@@ -3529,7 +3597,7 @@
               </a:rPr>
               <a:t>我總不離開你   耶穌屬我</a:t>
             </a:r>
-            <a:endParaRPr lang="en-US" sz="5400" b="1" dirty="0">
+            <a:endParaRPr lang="en-US" sz="4800" b="1" dirty="0">
               <a:solidFill>
                 <a:srgbClr val="660033"/>
               </a:solidFill>
@@ -3543,7 +3611,7 @@
     </p:spTree>
     <p:extLst>
       <p:ext uri="{BB962C8B-B14F-4D97-AF65-F5344CB8AC3E}">
-        <p14:creationId xmlns="" xmlns:p14="http://schemas.microsoft.com/office/powerpoint/2010/main" val="3539661562"/>
+        <p14:creationId xmlns:p14="http://schemas.microsoft.com/office/powerpoint/2010/main" val="3539661562"/>
       </p:ext>
     </p:extLst>
   </p:cSld>
@@ -3575,7 +3643,7 @@
           <p:cNvPr id="2" name="Title 1">
             <a:extLst>
               <a:ext uri="{FF2B5EF4-FFF2-40B4-BE49-F238E27FC236}">
-                <a16:creationId xmlns="" xmlns:a16="http://schemas.microsoft.com/office/drawing/2014/main" id="{AF9FD075-AEC5-4137-94C0-C4C53556BC02}"/>
+                <a16:creationId xmlns:a16="http://schemas.microsoft.com/office/drawing/2014/main" id="{AF9FD075-AEC5-4137-94C0-C4C53556BC02}"/>
               </a:ext>
             </a:extLst>
           </p:cNvPr>
@@ -3617,7 +3685,7 @@
           <p:cNvPr id="3" name="Content Placeholder 2">
             <a:extLst>
               <a:ext uri="{FF2B5EF4-FFF2-40B4-BE49-F238E27FC236}">
-                <a16:creationId xmlns="" xmlns:a16="http://schemas.microsoft.com/office/drawing/2014/main" id="{D8B275D4-3DA6-4D2A-BF50-7BDA9D9CE988}"/>
+                <a16:creationId xmlns:a16="http://schemas.microsoft.com/office/drawing/2014/main" id="{D8B275D4-3DA6-4D2A-BF50-7BDA9D9CE988}"/>
               </a:ext>
             </a:extLst>
           </p:cNvPr>
@@ -3644,7 +3712,7 @@
               <a:buNone/>
             </a:pPr>
             <a:r>
-              <a:rPr lang="zh-TW" altLang="en-US" sz="5400" b="1" dirty="0">
+              <a:rPr lang="zh-TW" altLang="en-US" sz="4800" b="1" dirty="0">
                 <a:solidFill>
                   <a:srgbClr val="660033"/>
                 </a:solidFill>
@@ -3652,9 +3720,31 @@
                 <a:ea typeface="Microsoft JhengHei" panose="020B0604030504040204" pitchFamily="34" charset="-120"/>
                 <a:cs typeface="+mj-cs"/>
               </a:rPr>
-              <a:t>普世界當讚美   我救主大君王</a:t>
-            </a:r>
-            <a:endParaRPr lang="en-US" altLang="zh-TW" sz="5400" b="1" dirty="0">
+              <a:t>普世界當讚美  </a:t>
+            </a:r>
+            <a:r>
+              <a:rPr lang="zh-TW" altLang="en-US" sz="4800" b="1" dirty="0" smtClean="0">
+                <a:solidFill>
+                  <a:srgbClr val="660033"/>
+                </a:solidFill>
+                <a:latin typeface="Microsoft JhengHei" panose="020B0604030504040204" pitchFamily="34" charset="-120"/>
+                <a:ea typeface="Microsoft JhengHei" panose="020B0604030504040204" pitchFamily="34" charset="-120"/>
+                <a:cs typeface="+mj-cs"/>
+              </a:rPr>
+              <a:t>我</a:t>
+            </a:r>
+            <a:r>
+              <a:rPr lang="zh-TW" altLang="en-US" sz="4800" b="1" dirty="0">
+                <a:solidFill>
+                  <a:srgbClr val="660033"/>
+                </a:solidFill>
+                <a:latin typeface="Microsoft JhengHei" panose="020B0604030504040204" pitchFamily="34" charset="-120"/>
+                <a:ea typeface="Microsoft JhengHei" panose="020B0604030504040204" pitchFamily="34" charset="-120"/>
+                <a:cs typeface="+mj-cs"/>
+              </a:rPr>
+              <a:t>救主大君王</a:t>
+            </a:r>
+            <a:endParaRPr lang="en-US" altLang="zh-TW" sz="4800" b="1" dirty="0">
               <a:solidFill>
                 <a:srgbClr val="660033"/>
               </a:solidFill>
@@ -3668,7 +3758,7 @@
               <a:buNone/>
             </a:pPr>
             <a:r>
-              <a:rPr lang="zh-TW" altLang="en-US" sz="5400" b="1" dirty="0">
+              <a:rPr lang="zh-TW" altLang="en-US" sz="4800" b="1" dirty="0">
                 <a:solidFill>
                   <a:srgbClr val="660033"/>
                 </a:solidFill>
@@ -3678,7 +3768,7 @@
               </a:rPr>
               <a:t>這平安便入你心間</a:t>
             </a:r>
-            <a:endParaRPr lang="en-US" altLang="zh-TW" sz="5400" b="1" dirty="0">
+            <a:endParaRPr lang="en-US" altLang="zh-TW" sz="4800" b="1" dirty="0">
               <a:solidFill>
                 <a:srgbClr val="660033"/>
               </a:solidFill>
@@ -3692,7 +3782,7 @@
               <a:buNone/>
             </a:pPr>
             <a:r>
-              <a:rPr lang="zh-TW" altLang="en-US" sz="5400" b="1" dirty="0">
+              <a:rPr lang="zh-TW" altLang="en-US" sz="4800" b="1" dirty="0">
                 <a:solidFill>
                   <a:srgbClr val="660033"/>
                 </a:solidFill>
@@ -3702,7 +3792,7 @@
               </a:rPr>
               <a:t>諸愁苦皆飛去將陰沉變輝煌</a:t>
             </a:r>
-            <a:endParaRPr lang="en-US" altLang="zh-TW" sz="5400" b="1" dirty="0">
+            <a:endParaRPr lang="en-US" altLang="zh-TW" sz="4800" b="1" dirty="0">
               <a:solidFill>
                 <a:srgbClr val="660033"/>
               </a:solidFill>
@@ -3716,7 +3806,7 @@
               <a:buNone/>
             </a:pPr>
             <a:r>
-              <a:rPr lang="zh-TW" altLang="en-US" sz="5400" b="1" dirty="0">
+              <a:rPr lang="zh-TW" altLang="en-US" sz="4800" b="1" dirty="0">
                 <a:solidFill>
                   <a:srgbClr val="660033"/>
                 </a:solidFill>
@@ -3726,7 +3816,7 @@
               </a:rPr>
               <a:t>萬福我耶穌萬民之光</a:t>
             </a:r>
-            <a:endParaRPr lang="en-US" sz="5400" b="1" dirty="0">
+            <a:endParaRPr lang="en-US" sz="4800" b="1" dirty="0">
               <a:solidFill>
                 <a:srgbClr val="660033"/>
               </a:solidFill>
@@ -3737,10 +3827,56 @@
           </a:p>
         </p:txBody>
       </p:sp>
+      <p:sp>
+        <p:nvSpPr>
+          <p:cNvPr id="4" name="TextBox 3"/>
+          <p:cNvSpPr txBox="1"/>
+          <p:nvPr/>
+        </p:nvSpPr>
+        <p:spPr>
+          <a:xfrm>
+            <a:off x="-3068" y="1478997"/>
+            <a:ext cx="659718" cy="769441"/>
+          </a:xfrm>
+          <a:prstGeom prst="rect">
+            <a:avLst/>
+          </a:prstGeom>
+          <a:noFill/>
+        </p:spPr>
+        <p:txBody>
+          <a:bodyPr wrap="square" rtlCol="0">
+            <a:spAutoFit/>
+          </a:bodyPr>
+          <a:lstStyle/>
+          <a:p>
+            <a:r>
+              <a:rPr lang="en-US" sz="4400" b="1" dirty="0">
+                <a:solidFill>
+                  <a:srgbClr val="660033"/>
+                </a:solidFill>
+              </a:rPr>
+              <a:t>2</a:t>
+            </a:r>
+            <a:r>
+              <a:rPr lang="en-US" sz="4400" b="1" dirty="0" smtClean="0">
+                <a:solidFill>
+                  <a:srgbClr val="660033"/>
+                </a:solidFill>
+              </a:rPr>
+              <a:t>.</a:t>
+            </a:r>
+            <a:endParaRPr lang="vi-VN" sz="4400" b="1" dirty="0">
+              <a:solidFill>
+                <a:srgbClr val="660033"/>
+              </a:solidFill>
+            </a:endParaRPr>
+          </a:p>
+        </p:txBody>
+      </p:sp>
     </p:spTree>
     <p:extLst>
       <p:ext uri="{BB962C8B-B14F-4D97-AF65-F5344CB8AC3E}">
-        <p14:creationId xmlns="" xmlns:p14="http://schemas.microsoft.com/office/powerpoint/2010/main" val="850313939"/>
+        <p14:creationId xmlns:p14="http://schemas.microsoft.com/office/powerpoint/2010/main" val="850313939"/>
       </p:ext>
     </p:extLst>
   </p:cSld>
@@ -3772,7 +3908,7 @@
           <p:cNvPr id="2" name="Title 1">
             <a:extLst>
               <a:ext uri="{FF2B5EF4-FFF2-40B4-BE49-F238E27FC236}">
-                <a16:creationId xmlns="" xmlns:a16="http://schemas.microsoft.com/office/drawing/2014/main" id="{AF9FD075-AEC5-4137-94C0-C4C53556BC02}"/>
+                <a16:creationId xmlns:a16="http://schemas.microsoft.com/office/drawing/2014/main" id="{AF9FD075-AEC5-4137-94C0-C4C53556BC02}"/>
               </a:ext>
             </a:extLst>
           </p:cNvPr>
@@ -3814,7 +3950,7 @@
           <p:cNvPr id="3" name="Content Placeholder 2">
             <a:extLst>
               <a:ext uri="{FF2B5EF4-FFF2-40B4-BE49-F238E27FC236}">
-                <a16:creationId xmlns="" xmlns:a16="http://schemas.microsoft.com/office/drawing/2014/main" id="{D8B275D4-3DA6-4D2A-BF50-7BDA9D9CE988}"/>
+                <a16:creationId xmlns:a16="http://schemas.microsoft.com/office/drawing/2014/main" id="{D8B275D4-3DA6-4D2A-BF50-7BDA9D9CE988}"/>
               </a:ext>
             </a:extLst>
           </p:cNvPr>
@@ -3841,7 +3977,7 @@
               <a:buNone/>
             </a:pPr>
             <a:r>
-              <a:rPr lang="zh-TW" altLang="en-US" sz="5400" b="1" dirty="0">
+              <a:rPr lang="zh-TW" altLang="en-US" sz="4800" b="1" dirty="0">
                 <a:solidFill>
                   <a:srgbClr val="660033"/>
                 </a:solidFill>
@@ -3851,7 +3987,7 @@
               </a:rPr>
               <a:t>永遠在我心裡   耶穌屬我</a:t>
             </a:r>
-            <a:endParaRPr lang="en-US" altLang="zh-TW" sz="5400" b="1" dirty="0">
+            <a:endParaRPr lang="en-US" altLang="zh-TW" sz="4800" b="1" dirty="0">
               <a:solidFill>
                 <a:srgbClr val="660033"/>
               </a:solidFill>
@@ -3865,7 +4001,7 @@
               <a:buNone/>
             </a:pPr>
             <a:r>
-              <a:rPr lang="zh-TW" altLang="en-US" sz="5400" b="1" dirty="0">
+              <a:rPr lang="zh-TW" altLang="en-US" sz="4800" b="1" dirty="0">
                 <a:solidFill>
                   <a:srgbClr val="660033"/>
                 </a:solidFill>
@@ -3875,7 +4011,7 @@
               </a:rPr>
               <a:t>永遠在我心裡   無上快樂</a:t>
             </a:r>
-            <a:endParaRPr lang="en-US" altLang="zh-TW" sz="5400" b="1" dirty="0">
+            <a:endParaRPr lang="en-US" altLang="zh-TW" sz="4800" b="1" dirty="0">
               <a:solidFill>
                 <a:srgbClr val="660033"/>
               </a:solidFill>
@@ -3889,7 +4025,7 @@
               <a:buNone/>
             </a:pPr>
             <a:r>
-              <a:rPr lang="zh-TW" altLang="en-US" sz="5400" b="1" dirty="0">
+              <a:rPr lang="zh-TW" altLang="en-US" sz="4800" b="1" dirty="0">
                 <a:solidFill>
                   <a:srgbClr val="660033"/>
                 </a:solidFill>
@@ -3899,7 +4035,7 @@
               </a:rPr>
               <a:t>主云總不撇下你   慈聲對你說</a:t>
             </a:r>
-            <a:endParaRPr lang="en-US" altLang="zh-TW" sz="5400" b="1" dirty="0">
+            <a:endParaRPr lang="en-US" altLang="zh-TW" sz="4800" b="1" dirty="0">
               <a:solidFill>
                 <a:srgbClr val="660033"/>
               </a:solidFill>
@@ -3913,7 +4049,7 @@
               <a:buNone/>
             </a:pPr>
             <a:r>
-              <a:rPr lang="zh-TW" altLang="en-US" sz="5400" b="1" dirty="0">
+              <a:rPr lang="zh-TW" altLang="en-US" sz="4800" b="1" dirty="0">
                 <a:solidFill>
                   <a:srgbClr val="660033"/>
                 </a:solidFill>
@@ -3923,7 +4059,7 @@
               </a:rPr>
               <a:t>我總不離開你   耶穌屬我</a:t>
             </a:r>
-            <a:endParaRPr lang="en-US" sz="5400" b="1" dirty="0">
+            <a:endParaRPr lang="en-US" sz="4800" b="1" dirty="0">
               <a:solidFill>
                 <a:srgbClr val="660033"/>
               </a:solidFill>
@@ -3937,7 +4073,7 @@
     </p:spTree>
     <p:extLst>
       <p:ext uri="{BB962C8B-B14F-4D97-AF65-F5344CB8AC3E}">
-        <p14:creationId xmlns="" xmlns:p14="http://schemas.microsoft.com/office/powerpoint/2010/main" val="1342715696"/>
+        <p14:creationId xmlns:p14="http://schemas.microsoft.com/office/powerpoint/2010/main" val="1342715696"/>
       </p:ext>
     </p:extLst>
   </p:cSld>
@@ -3969,7 +4105,7 @@
           <p:cNvPr id="2" name="Title 1">
             <a:extLst>
               <a:ext uri="{FF2B5EF4-FFF2-40B4-BE49-F238E27FC236}">
-                <a16:creationId xmlns="" xmlns:a16="http://schemas.microsoft.com/office/drawing/2014/main" id="{AF9FD075-AEC5-4137-94C0-C4C53556BC02}"/>
+                <a16:creationId xmlns:a16="http://schemas.microsoft.com/office/drawing/2014/main" id="{AF9FD075-AEC5-4137-94C0-C4C53556BC02}"/>
               </a:ext>
             </a:extLst>
           </p:cNvPr>
@@ -4011,7 +4147,7 @@
           <p:cNvPr id="3" name="Content Placeholder 2">
             <a:extLst>
               <a:ext uri="{FF2B5EF4-FFF2-40B4-BE49-F238E27FC236}">
-                <a16:creationId xmlns="" xmlns:a16="http://schemas.microsoft.com/office/drawing/2014/main" id="{D8B275D4-3DA6-4D2A-BF50-7BDA9D9CE988}"/>
+                <a16:creationId xmlns:a16="http://schemas.microsoft.com/office/drawing/2014/main" id="{D8B275D4-3DA6-4D2A-BF50-7BDA9D9CE988}"/>
               </a:ext>
             </a:extLst>
           </p:cNvPr>
@@ -4038,7 +4174,7 @@
               <a:buNone/>
             </a:pPr>
             <a:r>
-              <a:rPr lang="zh-TW" altLang="en-US" sz="5400" b="1" dirty="0">
+              <a:rPr lang="zh-TW" altLang="en-US" sz="4800" b="1" dirty="0">
                 <a:solidFill>
                   <a:srgbClr val="660033"/>
                 </a:solidFill>
@@ -4046,9 +4182,31 @@
                 <a:ea typeface="Microsoft JhengHei" panose="020B0604030504040204" pitchFamily="34" charset="-120"/>
                 <a:cs typeface="+mj-cs"/>
               </a:rPr>
-              <a:t>主賜我此寶物   藏於我之心殿</a:t>
-            </a:r>
-            <a:endParaRPr lang="en-US" altLang="zh-TW" sz="5400" b="1" dirty="0">
+              <a:t>主賜我此寶物 </a:t>
+            </a:r>
+            <a:r>
+              <a:rPr lang="zh-TW" altLang="en-US" sz="4800" b="1" dirty="0" smtClean="0">
+                <a:solidFill>
+                  <a:srgbClr val="660033"/>
+                </a:solidFill>
+                <a:latin typeface="Microsoft JhengHei" panose="020B0604030504040204" pitchFamily="34" charset="-120"/>
+                <a:ea typeface="Microsoft JhengHei" panose="020B0604030504040204" pitchFamily="34" charset="-120"/>
+                <a:cs typeface="+mj-cs"/>
+              </a:rPr>
+              <a:t> </a:t>
+            </a:r>
+            <a:r>
+              <a:rPr lang="zh-TW" altLang="en-US" sz="4800" b="1" dirty="0">
+                <a:solidFill>
+                  <a:srgbClr val="660033"/>
+                </a:solidFill>
+                <a:latin typeface="Microsoft JhengHei" panose="020B0604030504040204" pitchFamily="34" charset="-120"/>
+                <a:ea typeface="Microsoft JhengHei" panose="020B0604030504040204" pitchFamily="34" charset="-120"/>
+                <a:cs typeface="+mj-cs"/>
+              </a:rPr>
+              <a:t>藏於我之心殿</a:t>
+            </a:r>
+            <a:endParaRPr lang="en-US" altLang="zh-TW" sz="4800" b="1" dirty="0">
               <a:solidFill>
                 <a:srgbClr val="660033"/>
               </a:solidFill>
@@ -4062,7 +4220,7 @@
               <a:buNone/>
             </a:pPr>
             <a:r>
-              <a:rPr lang="zh-TW" altLang="en-US" sz="5400" b="1" dirty="0">
+              <a:rPr lang="zh-TW" altLang="en-US" sz="4800" b="1" dirty="0">
                 <a:solidFill>
                   <a:srgbClr val="660033"/>
                 </a:solidFill>
@@ -4072,7 +4230,7 @@
               </a:rPr>
               <a:t>奔走天路在此世間</a:t>
             </a:r>
-            <a:endParaRPr lang="en-US" altLang="zh-TW" sz="5400" b="1" dirty="0">
+            <a:endParaRPr lang="en-US" altLang="zh-TW" sz="4800" b="1" dirty="0">
               <a:solidFill>
                 <a:srgbClr val="660033"/>
               </a:solidFill>
@@ -4086,7 +4244,7 @@
               <a:buNone/>
             </a:pPr>
             <a:r>
-              <a:rPr lang="zh-TW" altLang="en-US" sz="5400" b="1" dirty="0">
+              <a:rPr lang="zh-TW" altLang="en-US" sz="4800" b="1" dirty="0">
                 <a:solidFill>
                   <a:srgbClr val="660033"/>
                 </a:solidFill>
@@ -4096,7 +4254,7 @@
               </a:rPr>
               <a:t>榮耀大日主必再來接我在先</a:t>
             </a:r>
-            <a:endParaRPr lang="en-US" altLang="zh-TW" sz="5400" b="1" dirty="0">
+            <a:endParaRPr lang="en-US" altLang="zh-TW" sz="4800" b="1" dirty="0">
               <a:solidFill>
                 <a:srgbClr val="660033"/>
               </a:solidFill>
@@ -4110,7 +4268,7 @@
               <a:buNone/>
             </a:pPr>
             <a:r>
-              <a:rPr lang="zh-TW" altLang="en-US" sz="5400" b="1" dirty="0">
+              <a:rPr lang="zh-TW" altLang="en-US" sz="4800" b="1" dirty="0">
                 <a:solidFill>
                   <a:srgbClr val="660033"/>
                 </a:solidFill>
@@ -4120,7 +4278,7 @@
               </a:rPr>
               <a:t>到我之家裡安居在天</a:t>
             </a:r>
-            <a:endParaRPr lang="en-US" sz="5400" b="1" dirty="0">
+            <a:endParaRPr lang="en-US" sz="4800" b="1" dirty="0">
               <a:solidFill>
                 <a:srgbClr val="660033"/>
               </a:solidFill>
@@ -4131,10 +4289,56 @@
           </a:p>
         </p:txBody>
       </p:sp>
+      <p:sp>
+        <p:nvSpPr>
+          <p:cNvPr id="4" name="TextBox 3"/>
+          <p:cNvSpPr txBox="1"/>
+          <p:nvPr/>
+        </p:nvSpPr>
+        <p:spPr>
+          <a:xfrm>
+            <a:off x="-3068" y="1478997"/>
+            <a:ext cx="659718" cy="769441"/>
+          </a:xfrm>
+          <a:prstGeom prst="rect">
+            <a:avLst/>
+          </a:prstGeom>
+          <a:noFill/>
+        </p:spPr>
+        <p:txBody>
+          <a:bodyPr wrap="square" rtlCol="0">
+            <a:spAutoFit/>
+          </a:bodyPr>
+          <a:lstStyle/>
+          <a:p>
+            <a:r>
+              <a:rPr lang="en-US" sz="4400" b="1" dirty="0">
+                <a:solidFill>
+                  <a:srgbClr val="660033"/>
+                </a:solidFill>
+              </a:rPr>
+              <a:t>3</a:t>
+            </a:r>
+            <a:r>
+              <a:rPr lang="en-US" sz="4400" b="1" dirty="0" smtClean="0">
+                <a:solidFill>
+                  <a:srgbClr val="660033"/>
+                </a:solidFill>
+              </a:rPr>
+              <a:t>.</a:t>
+            </a:r>
+            <a:endParaRPr lang="vi-VN" sz="4400" b="1" dirty="0">
+              <a:solidFill>
+                <a:srgbClr val="660033"/>
+              </a:solidFill>
+            </a:endParaRPr>
+          </a:p>
+        </p:txBody>
+      </p:sp>
     </p:spTree>
     <p:extLst>
       <p:ext uri="{BB962C8B-B14F-4D97-AF65-F5344CB8AC3E}">
-        <p14:creationId xmlns="" xmlns:p14="http://schemas.microsoft.com/office/powerpoint/2010/main" val="2270809156"/>
+        <p14:creationId xmlns:p14="http://schemas.microsoft.com/office/powerpoint/2010/main" val="2270809156"/>
       </p:ext>
     </p:extLst>
   </p:cSld>
@@ -4166,7 +4370,7 @@
           <p:cNvPr id="2" name="Title 1">
             <a:extLst>
               <a:ext uri="{FF2B5EF4-FFF2-40B4-BE49-F238E27FC236}">
-                <a16:creationId xmlns="" xmlns:a16="http://schemas.microsoft.com/office/drawing/2014/main" id="{AF9FD075-AEC5-4137-94C0-C4C53556BC02}"/>
+                <a16:creationId xmlns:a16="http://schemas.microsoft.com/office/drawing/2014/main" id="{AF9FD075-AEC5-4137-94C0-C4C53556BC02}"/>
               </a:ext>
             </a:extLst>
           </p:cNvPr>
@@ -4208,7 +4412,7 @@
           <p:cNvPr id="3" name="Content Placeholder 2">
             <a:extLst>
               <a:ext uri="{FF2B5EF4-FFF2-40B4-BE49-F238E27FC236}">
-                <a16:creationId xmlns="" xmlns:a16="http://schemas.microsoft.com/office/drawing/2014/main" id="{D8B275D4-3DA6-4D2A-BF50-7BDA9D9CE988}"/>
+                <a16:creationId xmlns:a16="http://schemas.microsoft.com/office/drawing/2014/main" id="{D8B275D4-3DA6-4D2A-BF50-7BDA9D9CE988}"/>
               </a:ext>
             </a:extLst>
           </p:cNvPr>
@@ -4235,7 +4439,7 @@
               <a:buNone/>
             </a:pPr>
             <a:r>
-              <a:rPr lang="zh-TW" altLang="en-US" sz="5400" b="1" dirty="0">
+              <a:rPr lang="zh-TW" altLang="en-US" sz="4800" b="1" dirty="0">
                 <a:solidFill>
                   <a:srgbClr val="660033"/>
                 </a:solidFill>
@@ -4245,7 +4449,7 @@
               </a:rPr>
               <a:t>永遠在我心裡   耶穌屬我</a:t>
             </a:r>
-            <a:endParaRPr lang="en-US" altLang="zh-TW" sz="5400" b="1" dirty="0">
+            <a:endParaRPr lang="en-US" altLang="zh-TW" sz="4800" b="1" dirty="0">
               <a:solidFill>
                 <a:srgbClr val="660033"/>
               </a:solidFill>
@@ -4259,7 +4463,7 @@
               <a:buNone/>
             </a:pPr>
             <a:r>
-              <a:rPr lang="zh-TW" altLang="en-US" sz="5400" b="1" dirty="0">
+              <a:rPr lang="zh-TW" altLang="en-US" sz="4800" b="1" dirty="0">
                 <a:solidFill>
                   <a:srgbClr val="660033"/>
                 </a:solidFill>
@@ -4269,7 +4473,7 @@
               </a:rPr>
               <a:t>永遠在我心裡   無上快樂</a:t>
             </a:r>
-            <a:endParaRPr lang="en-US" altLang="zh-TW" sz="5400" b="1" dirty="0">
+            <a:endParaRPr lang="en-US" altLang="zh-TW" sz="4800" b="1" dirty="0">
               <a:solidFill>
                 <a:srgbClr val="660033"/>
               </a:solidFill>
@@ -4283,7 +4487,7 @@
               <a:buNone/>
             </a:pPr>
             <a:r>
-              <a:rPr lang="zh-TW" altLang="en-US" sz="5400" b="1" dirty="0">
+              <a:rPr lang="zh-TW" altLang="en-US" sz="4800" b="1" dirty="0">
                 <a:solidFill>
                   <a:srgbClr val="660033"/>
                 </a:solidFill>
@@ -4293,7 +4497,7 @@
               </a:rPr>
               <a:t>主云總不撇下你   慈聲對你說</a:t>
             </a:r>
-            <a:endParaRPr lang="en-US" altLang="zh-TW" sz="5400" b="1" dirty="0">
+            <a:endParaRPr lang="en-US" altLang="zh-TW" sz="4800" b="1" dirty="0">
               <a:solidFill>
                 <a:srgbClr val="660033"/>
               </a:solidFill>
@@ -4307,7 +4511,7 @@
               <a:buNone/>
             </a:pPr>
             <a:r>
-              <a:rPr lang="zh-TW" altLang="en-US" sz="5400" b="1" dirty="0">
+              <a:rPr lang="zh-TW" altLang="en-US" sz="4800" b="1" dirty="0">
                 <a:solidFill>
                   <a:srgbClr val="660033"/>
                 </a:solidFill>
@@ -4317,7 +4521,7 @@
               </a:rPr>
               <a:t>我總不離開你   耶穌屬我</a:t>
             </a:r>
-            <a:endParaRPr lang="en-US" sz="5400" b="1" dirty="0">
+            <a:endParaRPr lang="en-US" sz="4800" b="1" dirty="0">
               <a:solidFill>
                 <a:srgbClr val="660033"/>
               </a:solidFill>
@@ -4331,7 +4535,7 @@
     </p:spTree>
     <p:extLst>
       <p:ext uri="{BB962C8B-B14F-4D97-AF65-F5344CB8AC3E}">
-        <p14:creationId xmlns="" xmlns:p14="http://schemas.microsoft.com/office/powerpoint/2010/main" val="1177035420"/>
+        <p14:creationId xmlns:p14="http://schemas.microsoft.com/office/powerpoint/2010/main" val="1177035420"/>
       </p:ext>
     </p:extLst>
   </p:cSld>

--- a/宣道詩/(宣道詩215)永遠在我心裡.pptx
+++ b/宣道詩/(宣道詩215)永遠在我心裡.pptx
@@ -5,12 +5,19 @@
     <p:sldMasterId id="2147483684" r:id="rId1"/>
   </p:sldMasterIdLst>
   <p:sldIdLst>
-    <p:sldId id="257" r:id="rId2"/>
-    <p:sldId id="258" r:id="rId3"/>
-    <p:sldId id="259" r:id="rId4"/>
-    <p:sldId id="260" r:id="rId5"/>
-    <p:sldId id="261" r:id="rId6"/>
-    <p:sldId id="262" r:id="rId7"/>
+    <p:sldId id="263" r:id="rId2"/>
+    <p:sldId id="264" r:id="rId3"/>
+    <p:sldId id="265" r:id="rId4"/>
+    <p:sldId id="266" r:id="rId5"/>
+    <p:sldId id="267" r:id="rId6"/>
+    <p:sldId id="268" r:id="rId7"/>
+    <p:sldId id="269" r:id="rId8"/>
+    <p:sldId id="270" r:id="rId9"/>
+    <p:sldId id="271" r:id="rId10"/>
+    <p:sldId id="272" r:id="rId11"/>
+    <p:sldId id="273" r:id="rId12"/>
+    <p:sldId id="274" r:id="rId13"/>
+    <p:sldId id="275" r:id="rId14"/>
   </p:sldIdLst>
   <p:sldSz cx="9144000" cy="5143500" type="screen16x9"/>
   <p:notesSz cx="6858000" cy="9144000"/>
@@ -314,7 +321,7 @@
             <a:fld id="{B082F816-EC02-44DC-A524-356D9FDC5FDD}" type="datetimeFigureOut">
               <a:rPr lang="en-US" smtClean="0"/>
               <a:pPr/>
-              <a:t>8/22/2020</a:t>
+              <a:t>6/15/2021</a:t>
             </a:fld>
             <a:endParaRPr lang="en-US"/>
           </a:p>
@@ -488,7 +495,7 @@
             <a:fld id="{B082F816-EC02-44DC-A524-356D9FDC5FDD}" type="datetimeFigureOut">
               <a:rPr lang="en-US" smtClean="0"/>
               <a:pPr/>
-              <a:t>8/22/2020</a:t>
+              <a:t>6/15/2021</a:t>
             </a:fld>
             <a:endParaRPr lang="en-US"/>
           </a:p>
@@ -672,7 +679,7 @@
             <a:fld id="{B082F816-EC02-44DC-A524-356D9FDC5FDD}" type="datetimeFigureOut">
               <a:rPr lang="en-US" smtClean="0"/>
               <a:pPr/>
-              <a:t>8/22/2020</a:t>
+              <a:t>6/15/2021</a:t>
             </a:fld>
             <a:endParaRPr lang="en-US"/>
           </a:p>
@@ -846,7 +853,7 @@
             <a:fld id="{B082F816-EC02-44DC-A524-356D9FDC5FDD}" type="datetimeFigureOut">
               <a:rPr lang="en-US" smtClean="0"/>
               <a:pPr/>
-              <a:t>8/22/2020</a:t>
+              <a:t>6/15/2021</a:t>
             </a:fld>
             <a:endParaRPr lang="en-US"/>
           </a:p>
@@ -1096,7 +1103,7 @@
             <a:fld id="{B082F816-EC02-44DC-A524-356D9FDC5FDD}" type="datetimeFigureOut">
               <a:rPr lang="en-US" smtClean="0"/>
               <a:pPr/>
-              <a:t>8/22/2020</a:t>
+              <a:t>6/15/2021</a:t>
             </a:fld>
             <a:endParaRPr lang="en-US"/>
           </a:p>
@@ -1388,7 +1395,7 @@
             <a:fld id="{B082F816-EC02-44DC-A524-356D9FDC5FDD}" type="datetimeFigureOut">
               <a:rPr lang="en-US" smtClean="0"/>
               <a:pPr/>
-              <a:t>8/22/2020</a:t>
+              <a:t>6/15/2021</a:t>
             </a:fld>
             <a:endParaRPr lang="en-US"/>
           </a:p>
@@ -1814,7 +1821,7 @@
             <a:fld id="{B082F816-EC02-44DC-A524-356D9FDC5FDD}" type="datetimeFigureOut">
               <a:rPr lang="en-US" smtClean="0"/>
               <a:pPr/>
-              <a:t>8/22/2020</a:t>
+              <a:t>6/15/2021</a:t>
             </a:fld>
             <a:endParaRPr lang="en-US"/>
           </a:p>
@@ -1936,7 +1943,7 @@
             <a:fld id="{B082F816-EC02-44DC-A524-356D9FDC5FDD}" type="datetimeFigureOut">
               <a:rPr lang="en-US" smtClean="0"/>
               <a:pPr/>
-              <a:t>8/22/2020</a:t>
+              <a:t>6/15/2021</a:t>
             </a:fld>
             <a:endParaRPr lang="en-US"/>
           </a:p>
@@ -2035,7 +2042,7 @@
             <a:fld id="{B082F816-EC02-44DC-A524-356D9FDC5FDD}" type="datetimeFigureOut">
               <a:rPr lang="en-US" smtClean="0"/>
               <a:pPr/>
-              <a:t>8/22/2020</a:t>
+              <a:t>6/15/2021</a:t>
             </a:fld>
             <a:endParaRPr lang="en-US"/>
           </a:p>
@@ -2316,7 +2323,7 @@
             <a:fld id="{B082F816-EC02-44DC-A524-356D9FDC5FDD}" type="datetimeFigureOut">
               <a:rPr lang="en-US" smtClean="0"/>
               <a:pPr/>
-              <a:t>8/22/2020</a:t>
+              <a:t>6/15/2021</a:t>
             </a:fld>
             <a:endParaRPr lang="en-US"/>
           </a:p>
@@ -2577,7 +2584,7 @@
             <a:fld id="{B082F816-EC02-44DC-A524-356D9FDC5FDD}" type="datetimeFigureOut">
               <a:rPr lang="en-US" smtClean="0"/>
               <a:pPr/>
-              <a:t>8/22/2020</a:t>
+              <a:t>6/15/2021</a:t>
             </a:fld>
             <a:endParaRPr lang="en-US"/>
           </a:p>
@@ -2799,7 +2806,7 @@
             <a:fld id="{B082F816-EC02-44DC-A524-356D9FDC5FDD}" type="datetimeFigureOut">
               <a:rPr lang="en-US" smtClean="0"/>
               <a:pPr/>
-              <a:t>8/22/2020</a:t>
+              <a:t>6/15/2021</a:t>
             </a:fld>
             <a:endParaRPr lang="en-US"/>
           </a:p>
@@ -3182,13 +3189,7 @@
       </p:grpSpPr>
       <p:sp>
         <p:nvSpPr>
-          <p:cNvPr id="2" name="Title 1">
-            <a:extLst>
-              <a:ext uri="{FF2B5EF4-FFF2-40B4-BE49-F238E27FC236}">
-                <a16:creationId xmlns:a16="http://schemas.microsoft.com/office/drawing/2014/main" id="{AF9FD075-AEC5-4137-94C0-C4C53556BC02}"/>
-              </a:ext>
-            </a:extLst>
-          </p:cNvPr>
+          <p:cNvPr id="4" name="標題 3"/>
           <p:cNvSpPr>
             <a:spLocks noGrp="1"/>
           </p:cNvSpPr>
@@ -3196,25 +3197,215 @@
             <p:ph type="title"/>
           </p:nvPr>
         </p:nvSpPr>
-        <p:spPr/>
+        <p:spPr>
+          <a:xfrm>
+            <a:off x="0" y="1995686"/>
+            <a:ext cx="9144000" cy="857250"/>
+          </a:xfrm>
+        </p:spPr>
         <p:txBody>
           <a:bodyPr>
+            <a:noAutofit/>
+          </a:bodyPr>
+          <a:lstStyle/>
+          <a:p>
+            <a:r>
+              <a:rPr lang="zh-CN" altLang="en-US" sz="4000" b="1" u="sng" dirty="0">
+                <a:solidFill>
+                  <a:srgbClr val="000066"/>
+                </a:solidFill>
+                <a:effectLst>
+                  <a:outerShdw blurRad="38100" dist="38100" dir="2700000" algn="tl">
+                    <a:srgbClr val="000000">
+                      <a:alpha val="43137"/>
+                    </a:srgbClr>
+                  </a:outerShdw>
+                </a:effectLst>
+                <a:latin typeface="微軟正黑體" pitchFamily="34" charset="-120"/>
+                <a:ea typeface="微軟正黑體" pitchFamily="34" charset="-120"/>
+              </a:rPr>
+              <a:t>宣道詩 </a:t>
+            </a:r>
+            <a:r>
+              <a:rPr lang="en-US" altLang="zh-CN" sz="4000" b="1" u="sng" dirty="0">
+                <a:solidFill>
+                  <a:srgbClr val="000066"/>
+                </a:solidFill>
+                <a:effectLst>
+                  <a:outerShdw blurRad="38100" dist="38100" dir="2700000" algn="tl">
+                    <a:srgbClr val="000000">
+                      <a:alpha val="43137"/>
+                    </a:srgbClr>
+                  </a:outerShdw>
+                </a:effectLst>
+                <a:latin typeface="微軟正黑體" pitchFamily="34" charset="-120"/>
+                <a:ea typeface="微軟正黑體" pitchFamily="34" charset="-120"/>
+              </a:rPr>
+              <a:t>215</a:t>
+            </a:r>
+            <a:r>
+              <a:rPr lang="en-US" altLang="zh-CN" sz="5400" b="1" i="1" dirty="0">
+                <a:solidFill>
+                  <a:srgbClr val="660033"/>
+                </a:solidFill>
+                <a:effectLst>
+                  <a:outerShdw blurRad="38100" dist="38100" dir="2700000" algn="tl">
+                    <a:srgbClr val="000000">
+                      <a:alpha val="43137"/>
+                    </a:srgbClr>
+                  </a:outerShdw>
+                </a:effectLst>
+                <a:latin typeface="微軟正黑體" pitchFamily="34" charset="-120"/>
+                <a:ea typeface="微軟正黑體" pitchFamily="34" charset="-120"/>
+              </a:rPr>
+              <a:t/>
+            </a:r>
+            <a:br>
+              <a:rPr lang="en-US" altLang="zh-CN" sz="5400" b="1" i="1" dirty="0">
+                <a:solidFill>
+                  <a:srgbClr val="660033"/>
+                </a:solidFill>
+                <a:effectLst>
+                  <a:outerShdw blurRad="38100" dist="38100" dir="2700000" algn="tl">
+                    <a:srgbClr val="000000">
+                      <a:alpha val="43137"/>
+                    </a:srgbClr>
+                  </a:outerShdw>
+                </a:effectLst>
+                <a:latin typeface="微軟正黑體" pitchFamily="34" charset="-120"/>
+                <a:ea typeface="微軟正黑體" pitchFamily="34" charset="-120"/>
+              </a:rPr>
+            </a:br>
+            <a:r>
+              <a:rPr lang="zh-TW" altLang="en-US" sz="6000" b="1" dirty="0">
+                <a:solidFill>
+                  <a:srgbClr val="660033"/>
+                </a:solidFill>
+                <a:effectLst>
+                  <a:outerShdw blurRad="38100" dist="38100" dir="2700000" algn="tl">
+                    <a:srgbClr val="000000">
+                      <a:alpha val="43137"/>
+                    </a:srgbClr>
+                  </a:outerShdw>
+                </a:effectLst>
+                <a:latin typeface="微軟正黑體" pitchFamily="34" charset="-120"/>
+                <a:ea typeface="微軟正黑體" pitchFamily="34" charset="-120"/>
+              </a:rPr>
+              <a:t>永</a:t>
+            </a:r>
+            <a:r>
+              <a:rPr lang="zh-TW" altLang="en-US" sz="6000" b="1" dirty="0">
+                <a:solidFill>
+                  <a:srgbClr val="660033"/>
+                </a:solidFill>
+                <a:effectLst>
+                  <a:outerShdw blurRad="38100" dist="38100" dir="2700000" algn="tl">
+                    <a:srgbClr val="000000">
+                      <a:alpha val="43137"/>
+                    </a:srgbClr>
+                  </a:outerShdw>
+                </a:effectLst>
+                <a:latin typeface="微軟正黑體" pitchFamily="34" charset="-120"/>
+                <a:ea typeface="微軟正黑體" pitchFamily="34" charset="-120"/>
+              </a:rPr>
+              <a:t>遠在我心裡</a:t>
+            </a:r>
+          </a:p>
+        </p:txBody>
+      </p:sp>
+    </p:spTree>
+    <p:extLst>
+      <p:ext uri="{BB962C8B-B14F-4D97-AF65-F5344CB8AC3E}">
+        <p14:creationId xmlns:p14="http://schemas.microsoft.com/office/powerpoint/2010/main" val="3179049039"/>
+      </p:ext>
+    </p:extLst>
+  </p:cSld>
+  <p:clrMapOvr>
+    <a:masterClrMapping/>
+  </p:clrMapOvr>
+  <p:timing>
+    <p:tnLst>
+      <p:par>
+        <p:cTn id="1" dur="indefinite" restart="never" nodeType="tmRoot"/>
+      </p:par>
+    </p:tnLst>
+  </p:timing>
+</p:sld>
+</file>
+
+<file path=ppt/slides/slide10.xml><?xml version="1.0" encoding="utf-8"?>
+<p:sld xmlns:a="http://schemas.openxmlformats.org/drawingml/2006/main" xmlns:r="http://schemas.openxmlformats.org/officeDocument/2006/relationships" xmlns:p="http://schemas.openxmlformats.org/presentationml/2006/main">
+  <p:cSld>
+    <p:spTree>
+      <p:nvGrpSpPr>
+        <p:cNvPr id="1" name=""/>
+        <p:cNvGrpSpPr/>
+        <p:nvPr/>
+      </p:nvGrpSpPr>
+      <p:grpSpPr>
+        <a:xfrm>
+          <a:off x="0" y="0"/>
+          <a:ext cx="0" cy="0"/>
+          <a:chOff x="0" y="0"/>
+          <a:chExt cx="0" cy="0"/>
+        </a:xfrm>
+      </p:grpSpPr>
+      <p:sp>
+        <p:nvSpPr>
+          <p:cNvPr id="5" name="內容版面配置區 4"/>
+          <p:cNvSpPr>
+            <a:spLocks noGrp="1"/>
+          </p:cNvSpPr>
+          <p:nvPr>
+            <p:ph idx="1"/>
+          </p:nvPr>
+        </p:nvSpPr>
+        <p:spPr>
+          <a:xfrm>
+            <a:off x="0" y="1563639"/>
+            <a:ext cx="9144000" cy="1803647"/>
+          </a:xfrm>
+        </p:spPr>
+        <p:txBody>
+          <a:bodyPr anchor="ctr">
             <a:normAutofit/>
           </a:bodyPr>
           <a:lstStyle/>
           <a:p>
-            <a:pPr algn="ctr"/>
-            <a:r>
-              <a:rPr lang="zh-TW" altLang="en-US" b="1" dirty="0">
+            <a:pPr marL="0" indent="0" algn="ctr">
+              <a:buNone/>
+            </a:pPr>
+            <a:r>
+              <a:rPr lang="zh-TW" altLang="en-US" sz="4950" b="1" dirty="0">
                 <a:solidFill>
                   <a:srgbClr val="660033"/>
                 </a:solidFill>
                 <a:latin typeface="Microsoft JhengHei" panose="020B0604030504040204" pitchFamily="34" charset="-120"/>
                 <a:ea typeface="Microsoft JhengHei" panose="020B0604030504040204" pitchFamily="34" charset="-120"/>
               </a:rPr>
-              <a:t>永遠在我心裡</a:t>
-            </a:r>
-            <a:endParaRPr lang="en-US" b="1" dirty="0">
+              <a:t>主賜我此寶物  </a:t>
+            </a:r>
+            <a:r>
+              <a:rPr lang="zh-TW" altLang="en-US" sz="4950" b="1" dirty="0">
+                <a:solidFill>
+                  <a:srgbClr val="660033"/>
+                </a:solidFill>
+                <a:latin typeface="Microsoft JhengHei" panose="020B0604030504040204" pitchFamily="34" charset="-120"/>
+                <a:ea typeface="Microsoft JhengHei" panose="020B0604030504040204" pitchFamily="34" charset="-120"/>
+              </a:rPr>
+              <a:t> 藏</a:t>
+            </a:r>
+            <a:r>
+              <a:rPr lang="zh-TW" altLang="en-US" sz="4950" b="1" dirty="0">
+                <a:solidFill>
+                  <a:srgbClr val="660033"/>
+                </a:solidFill>
+                <a:latin typeface="Microsoft JhengHei" panose="020B0604030504040204" pitchFamily="34" charset="-120"/>
+                <a:ea typeface="Microsoft JhengHei" panose="020B0604030504040204" pitchFamily="34" charset="-120"/>
+              </a:rPr>
+              <a:t>於我之心殿</a:t>
+            </a:r>
+            <a:endParaRPr lang="en-US" altLang="zh-TW" sz="4950" b="1" dirty="0">
               <a:solidFill>
                 <a:srgbClr val="660033"/>
               </a:solidFill>
@@ -3222,80 +3413,21 @@
               <a:ea typeface="Microsoft JhengHei" panose="020B0604030504040204" pitchFamily="34" charset="-120"/>
             </a:endParaRPr>
           </a:p>
-        </p:txBody>
-      </p:sp>
-      <p:sp>
-        <p:nvSpPr>
-          <p:cNvPr id="3" name="Content Placeholder 2">
-            <a:extLst>
-              <a:ext uri="{FF2B5EF4-FFF2-40B4-BE49-F238E27FC236}">
-                <a16:creationId xmlns:a16="http://schemas.microsoft.com/office/drawing/2014/main" id="{D8B275D4-3DA6-4D2A-BF50-7BDA9D9CE988}"/>
-              </a:ext>
-            </a:extLst>
-          </p:cNvPr>
-          <p:cNvSpPr>
-            <a:spLocks noGrp="1"/>
-          </p:cNvSpPr>
-          <p:nvPr>
-            <p:ph idx="1"/>
-          </p:nvPr>
-        </p:nvSpPr>
-        <p:spPr>
-          <a:xfrm>
-            <a:off x="0" y="1369218"/>
-            <a:ext cx="9144000" cy="3263504"/>
-          </a:xfrm>
-        </p:spPr>
-        <p:txBody>
-          <a:bodyPr>
-            <a:noAutofit/>
-          </a:bodyPr>
-          <a:lstStyle/>
           <a:p>
             <a:pPr marL="0" indent="0" algn="ctr">
               <a:buNone/>
             </a:pPr>
             <a:r>
-              <a:rPr lang="zh-TW" altLang="en-US" sz="4800" b="1" dirty="0">
+              <a:rPr lang="zh-TW" altLang="en-US" sz="4950" b="1" dirty="0">
                 <a:solidFill>
                   <a:srgbClr val="660033"/>
                 </a:solidFill>
                 <a:latin typeface="Microsoft JhengHei" panose="020B0604030504040204" pitchFamily="34" charset="-120"/>
                 <a:ea typeface="Microsoft JhengHei" panose="020B0604030504040204" pitchFamily="34" charset="-120"/>
               </a:rPr>
-              <a:t>有平安在我心</a:t>
-            </a:r>
-            <a:r>
-              <a:rPr lang="en-US" altLang="zh-TW" sz="4800" b="1" dirty="0">
-                <a:solidFill>
-                  <a:srgbClr val="660033"/>
-                </a:solidFill>
-                <a:latin typeface="Microsoft JhengHei" panose="020B0604030504040204" pitchFamily="34" charset="-120"/>
-                <a:ea typeface="Microsoft JhengHei" panose="020B0604030504040204" pitchFamily="34" charset="-120"/>
-              </a:rPr>
-              <a:t>  </a:t>
-            </a:r>
-            <a:r>
-              <a:rPr lang="zh-TW" altLang="en-US" sz="4800" b="1" dirty="0" smtClean="0">
-                <a:solidFill>
-                  <a:srgbClr val="660033"/>
-                </a:solidFill>
-                <a:latin typeface="Microsoft JhengHei" panose="020B0604030504040204" pitchFamily="34" charset="-120"/>
-                <a:ea typeface="Microsoft JhengHei" panose="020B0604030504040204" pitchFamily="34" charset="-120"/>
-              </a:rPr>
-              <a:t>非</a:t>
-            </a:r>
-            <a:r>
-              <a:rPr lang="zh-TW" altLang="en-US" sz="4800" b="1" dirty="0">
-                <a:solidFill>
-                  <a:srgbClr val="660033"/>
-                </a:solidFill>
-                <a:latin typeface="Microsoft JhengHei" panose="020B0604030504040204" pitchFamily="34" charset="-120"/>
-                <a:ea typeface="Microsoft JhengHei" panose="020B0604030504040204" pitchFamily="34" charset="-120"/>
-              </a:rPr>
-              <a:t>世界所能賜</a:t>
-            </a:r>
-            <a:endParaRPr lang="en-US" altLang="zh-TW" sz="4800" b="1" dirty="0">
+              <a:t>奔走天路在此世間</a:t>
+            </a:r>
+            <a:endParaRPr lang="en-US" altLang="zh-TW" sz="4950" b="1" dirty="0">
               <a:solidFill>
                 <a:srgbClr val="660033"/>
               </a:solidFill>
@@ -3303,21 +3435,120 @@
               <a:ea typeface="Microsoft JhengHei" panose="020B0604030504040204" pitchFamily="34" charset="-120"/>
             </a:endParaRPr>
           </a:p>
+        </p:txBody>
+      </p:sp>
+      <p:sp>
+        <p:nvSpPr>
+          <p:cNvPr id="3" name="TextBox 2"/>
+          <p:cNvSpPr txBox="1"/>
+          <p:nvPr/>
+        </p:nvSpPr>
+        <p:spPr>
+          <a:xfrm>
+            <a:off x="0" y="3795887"/>
+            <a:ext cx="9144000" cy="646331"/>
+          </a:xfrm>
+          <a:prstGeom prst="rect">
+            <a:avLst/>
+          </a:prstGeom>
+          <a:noFill/>
+        </p:spPr>
+        <p:txBody>
+          <a:bodyPr wrap="square" rtlCol="0">
+            <a:spAutoFit/>
+          </a:bodyPr>
+          <a:lstStyle/>
+          <a:p>
+            <a:pPr algn="ctr"/>
+            <a:r>
+              <a:rPr lang="en-US" sz="3600" b="1" dirty="0">
+                <a:solidFill>
+                  <a:srgbClr val="660033"/>
+                </a:solidFill>
+              </a:rPr>
+              <a:t>( 3 )</a:t>
+            </a:r>
+            <a:endParaRPr lang="vi-VN" sz="3600" b="1" dirty="0">
+              <a:solidFill>
+                <a:srgbClr val="660033"/>
+              </a:solidFill>
+            </a:endParaRPr>
+          </a:p>
+        </p:txBody>
+      </p:sp>
+    </p:spTree>
+    <p:extLst>
+      <p:ext uri="{BB962C8B-B14F-4D97-AF65-F5344CB8AC3E}">
+        <p14:creationId xmlns:p14="http://schemas.microsoft.com/office/powerpoint/2010/main" val="2133788775"/>
+      </p:ext>
+    </p:extLst>
+  </p:cSld>
+  <p:clrMapOvr>
+    <a:masterClrMapping/>
+  </p:clrMapOvr>
+  <p:timing>
+    <p:tnLst>
+      <p:par>
+        <p:cTn id="1" dur="indefinite" restart="never" nodeType="tmRoot"/>
+      </p:par>
+    </p:tnLst>
+  </p:timing>
+</p:sld>
+</file>
+
+<file path=ppt/slides/slide11.xml><?xml version="1.0" encoding="utf-8"?>
+<p:sld xmlns:a="http://schemas.openxmlformats.org/drawingml/2006/main" xmlns:r="http://schemas.openxmlformats.org/officeDocument/2006/relationships" xmlns:p="http://schemas.openxmlformats.org/presentationml/2006/main">
+  <p:cSld>
+    <p:spTree>
+      <p:nvGrpSpPr>
+        <p:cNvPr id="1" name=""/>
+        <p:cNvGrpSpPr/>
+        <p:nvPr/>
+      </p:nvGrpSpPr>
+      <p:grpSpPr>
+        <a:xfrm>
+          <a:off x="0" y="0"/>
+          <a:ext cx="0" cy="0"/>
+          <a:chOff x="0" y="0"/>
+          <a:chExt cx="0" cy="0"/>
+        </a:xfrm>
+      </p:grpSpPr>
+      <p:sp>
+        <p:nvSpPr>
+          <p:cNvPr id="5" name="內容版面配置區 4"/>
+          <p:cNvSpPr>
+            <a:spLocks noGrp="1"/>
+          </p:cNvSpPr>
+          <p:nvPr>
+            <p:ph idx="1"/>
+          </p:nvPr>
+        </p:nvSpPr>
+        <p:spPr>
+          <a:xfrm>
+            <a:off x="0" y="1563639"/>
+            <a:ext cx="9144000" cy="1803647"/>
+          </a:xfrm>
+        </p:spPr>
+        <p:txBody>
+          <a:bodyPr anchor="ctr">
+            <a:normAutofit/>
+          </a:bodyPr>
+          <a:lstStyle/>
           <a:p>
             <a:pPr marL="0" indent="0" algn="ctr">
               <a:buNone/>
             </a:pPr>
             <a:r>
-              <a:rPr lang="zh-TW" altLang="en-US" sz="4800" b="1" dirty="0">
+              <a:rPr lang="zh-TW" altLang="en-US" sz="4950" b="1" dirty="0">
                 <a:solidFill>
                   <a:srgbClr val="660033"/>
                 </a:solidFill>
                 <a:latin typeface="Microsoft JhengHei" panose="020B0604030504040204" pitchFamily="34" charset="-120"/>
                 <a:ea typeface="Microsoft JhengHei" panose="020B0604030504040204" pitchFamily="34" charset="-120"/>
               </a:rPr>
-              <a:t>平安沒有人能奪去</a:t>
-            </a:r>
-            <a:endParaRPr lang="en-US" altLang="zh-TW" sz="4800" b="1" dirty="0">
+              <a:t>榮耀大日主必再來接我在先</a:t>
+            </a:r>
+            <a:endParaRPr lang="en-US" altLang="zh-TW" sz="4950" b="1" dirty="0">
               <a:solidFill>
                 <a:srgbClr val="660033"/>
               </a:solidFill>
@@ -3330,16 +3561,16 @@
               <a:buNone/>
             </a:pPr>
             <a:r>
-              <a:rPr lang="zh-TW" altLang="en-US" sz="4800" b="1" dirty="0">
+              <a:rPr lang="zh-TW" altLang="en-US" sz="4950" b="1" dirty="0">
                 <a:solidFill>
                   <a:srgbClr val="660033"/>
                 </a:solidFill>
                 <a:latin typeface="Microsoft JhengHei" panose="020B0604030504040204" pitchFamily="34" charset="-120"/>
                 <a:ea typeface="Microsoft JhengHei" panose="020B0604030504040204" pitchFamily="34" charset="-120"/>
               </a:rPr>
-              <a:t>雖試煉與艱難如愁雲之環繞</a:t>
-            </a:r>
-            <a:endParaRPr lang="en-US" altLang="zh-TW" sz="4800" b="1" dirty="0">
+              <a:t>到我之家裡安居在天</a:t>
+            </a:r>
+            <a:endParaRPr lang="en-US" sz="4950" b="1" dirty="0">
               <a:solidFill>
                 <a:srgbClr val="660033"/>
               </a:solidFill>
@@ -3347,21 +3578,120 @@
               <a:ea typeface="Microsoft JhengHei" panose="020B0604030504040204" pitchFamily="34" charset="-120"/>
             </a:endParaRPr>
           </a:p>
+        </p:txBody>
+      </p:sp>
+      <p:sp>
+        <p:nvSpPr>
+          <p:cNvPr id="3" name="TextBox 2"/>
+          <p:cNvSpPr txBox="1"/>
+          <p:nvPr/>
+        </p:nvSpPr>
+        <p:spPr>
+          <a:xfrm>
+            <a:off x="0" y="3795887"/>
+            <a:ext cx="9144000" cy="646331"/>
+          </a:xfrm>
+          <a:prstGeom prst="rect">
+            <a:avLst/>
+          </a:prstGeom>
+          <a:noFill/>
+        </p:spPr>
+        <p:txBody>
+          <a:bodyPr wrap="square" rtlCol="0">
+            <a:spAutoFit/>
+          </a:bodyPr>
+          <a:lstStyle/>
+          <a:p>
+            <a:pPr algn="ctr"/>
+            <a:r>
+              <a:rPr lang="en-US" sz="3600" b="1" dirty="0">
+                <a:solidFill>
+                  <a:srgbClr val="660033"/>
+                </a:solidFill>
+              </a:rPr>
+              <a:t>( 3 )</a:t>
+            </a:r>
+            <a:endParaRPr lang="vi-VN" sz="3600" b="1" dirty="0">
+              <a:solidFill>
+                <a:srgbClr val="660033"/>
+              </a:solidFill>
+            </a:endParaRPr>
+          </a:p>
+        </p:txBody>
+      </p:sp>
+    </p:spTree>
+    <p:extLst>
+      <p:ext uri="{BB962C8B-B14F-4D97-AF65-F5344CB8AC3E}">
+        <p14:creationId xmlns:p14="http://schemas.microsoft.com/office/powerpoint/2010/main" val="3079933436"/>
+      </p:ext>
+    </p:extLst>
+  </p:cSld>
+  <p:clrMapOvr>
+    <a:masterClrMapping/>
+  </p:clrMapOvr>
+  <p:timing>
+    <p:tnLst>
+      <p:par>
+        <p:cTn id="1" dur="indefinite" restart="never" nodeType="tmRoot"/>
+      </p:par>
+    </p:tnLst>
+  </p:timing>
+</p:sld>
+</file>
+
+<file path=ppt/slides/slide12.xml><?xml version="1.0" encoding="utf-8"?>
+<p:sld xmlns:a="http://schemas.openxmlformats.org/drawingml/2006/main" xmlns:r="http://schemas.openxmlformats.org/officeDocument/2006/relationships" xmlns:p="http://schemas.openxmlformats.org/presentationml/2006/main">
+  <p:cSld>
+    <p:spTree>
+      <p:nvGrpSpPr>
+        <p:cNvPr id="1" name=""/>
+        <p:cNvGrpSpPr/>
+        <p:nvPr/>
+      </p:nvGrpSpPr>
+      <p:grpSpPr>
+        <a:xfrm>
+          <a:off x="0" y="0"/>
+          <a:ext cx="0" cy="0"/>
+          <a:chOff x="0" y="0"/>
+          <a:chExt cx="0" cy="0"/>
+        </a:xfrm>
+      </p:grpSpPr>
+      <p:sp>
+        <p:nvSpPr>
+          <p:cNvPr id="5" name="內容版面配置區 4"/>
+          <p:cNvSpPr>
+            <a:spLocks noGrp="1"/>
+          </p:cNvSpPr>
+          <p:nvPr>
+            <p:ph idx="1"/>
+          </p:nvPr>
+        </p:nvSpPr>
+        <p:spPr>
+          <a:xfrm>
+            <a:off x="0" y="1563639"/>
+            <a:ext cx="9144000" cy="1803647"/>
+          </a:xfrm>
+        </p:spPr>
+        <p:txBody>
+          <a:bodyPr anchor="ctr">
+            <a:normAutofit/>
+          </a:bodyPr>
+          <a:lstStyle/>
           <a:p>
             <a:pPr marL="0" indent="0" algn="ctr">
               <a:buNone/>
             </a:pPr>
             <a:r>
-              <a:rPr lang="zh-TW" altLang="en-US" sz="4800" b="1" dirty="0">
+              <a:rPr lang="zh-TW" altLang="en-US" sz="4950" b="1" dirty="0">
                 <a:solidFill>
                   <a:srgbClr val="660033"/>
                 </a:solidFill>
                 <a:latin typeface="Microsoft JhengHei" panose="020B0604030504040204" pitchFamily="34" charset="-120"/>
                 <a:ea typeface="Microsoft JhengHei" panose="020B0604030504040204" pitchFamily="34" charset="-120"/>
               </a:rPr>
-              <a:t>我心裡永遠有這平安</a:t>
-            </a:r>
-            <a:endParaRPr lang="en-US" sz="4800" b="1" dirty="0">
+              <a:t>永遠在我心裡   耶穌屬我</a:t>
+            </a:r>
+            <a:endParaRPr lang="en-US" altLang="zh-TW" sz="4950" b="1" dirty="0">
               <a:solidFill>
                 <a:srgbClr val="660033"/>
               </a:solidFill>
@@ -3369,42 +3699,26 @@
               <a:ea typeface="Microsoft JhengHei" panose="020B0604030504040204" pitchFamily="34" charset="-120"/>
             </a:endParaRPr>
           </a:p>
-        </p:txBody>
-      </p:sp>
-      <p:sp>
-        <p:nvSpPr>
-          <p:cNvPr id="4" name="TextBox 3"/>
-          <p:cNvSpPr txBox="1"/>
-          <p:nvPr/>
-        </p:nvSpPr>
-        <p:spPr>
-          <a:xfrm>
-            <a:off x="-3068" y="1478997"/>
-            <a:ext cx="659718" cy="769441"/>
-          </a:xfrm>
-          <a:prstGeom prst="rect">
-            <a:avLst/>
-          </a:prstGeom>
-          <a:noFill/>
-        </p:spPr>
-        <p:txBody>
-          <a:bodyPr wrap="square" rtlCol="0">
-            <a:spAutoFit/>
-          </a:bodyPr>
-          <a:lstStyle/>
-          <a:p>
-            <a:r>
-              <a:rPr lang="en-US" sz="4400" b="1" dirty="0" smtClean="0">
+          <a:p>
+            <a:pPr marL="0" indent="0" algn="ctr">
+              <a:buNone/>
+            </a:pPr>
+            <a:r>
+              <a:rPr lang="zh-TW" altLang="en-US" sz="4950" b="1" dirty="0">
                 <a:solidFill>
                   <a:srgbClr val="660033"/>
                 </a:solidFill>
+                <a:latin typeface="Microsoft JhengHei" panose="020B0604030504040204" pitchFamily="34" charset="-120"/>
+                <a:ea typeface="Microsoft JhengHei" panose="020B0604030504040204" pitchFamily="34" charset="-120"/>
               </a:rPr>
-              <a:t>1.</a:t>
-            </a:r>
-            <a:endParaRPr lang="vi-VN" sz="4400" b="1" dirty="0">
+              <a:t>永遠在我心裡   無上快樂</a:t>
+            </a:r>
+            <a:endParaRPr lang="en-US" altLang="zh-TW" sz="4950" b="1" dirty="0">
               <a:solidFill>
                 <a:srgbClr val="660033"/>
               </a:solidFill>
+              <a:latin typeface="Microsoft JhengHei" panose="020B0604030504040204" pitchFamily="34" charset="-120"/>
+              <a:ea typeface="Microsoft JhengHei" panose="020B0604030504040204" pitchFamily="34" charset="-120"/>
             </a:endParaRPr>
           </a:p>
         </p:txBody>
@@ -3412,13 +3726,124 @@
     </p:spTree>
     <p:extLst>
       <p:ext uri="{BB962C8B-B14F-4D97-AF65-F5344CB8AC3E}">
-        <p14:creationId xmlns:p14="http://schemas.microsoft.com/office/powerpoint/2010/main" val="835851580"/>
+        <p14:creationId xmlns:p14="http://schemas.microsoft.com/office/powerpoint/2010/main" val="2064153864"/>
       </p:ext>
     </p:extLst>
   </p:cSld>
   <p:clrMapOvr>
     <a:masterClrMapping/>
   </p:clrMapOvr>
+  <p:timing>
+    <p:tnLst>
+      <p:par>
+        <p:cTn id="1" dur="indefinite" restart="never" nodeType="tmRoot"/>
+      </p:par>
+    </p:tnLst>
+  </p:timing>
+</p:sld>
+</file>
+
+<file path=ppt/slides/slide13.xml><?xml version="1.0" encoding="utf-8"?>
+<p:sld xmlns:a="http://schemas.openxmlformats.org/drawingml/2006/main" xmlns:r="http://schemas.openxmlformats.org/officeDocument/2006/relationships" xmlns:p="http://schemas.openxmlformats.org/presentationml/2006/main">
+  <p:cSld>
+    <p:spTree>
+      <p:nvGrpSpPr>
+        <p:cNvPr id="1" name=""/>
+        <p:cNvGrpSpPr/>
+        <p:nvPr/>
+      </p:nvGrpSpPr>
+      <p:grpSpPr>
+        <a:xfrm>
+          <a:off x="0" y="0"/>
+          <a:ext cx="0" cy="0"/>
+          <a:chOff x="0" y="0"/>
+          <a:chExt cx="0" cy="0"/>
+        </a:xfrm>
+      </p:grpSpPr>
+      <p:sp>
+        <p:nvSpPr>
+          <p:cNvPr id="5" name="內容版面配置區 4"/>
+          <p:cNvSpPr>
+            <a:spLocks noGrp="1"/>
+          </p:cNvSpPr>
+          <p:nvPr>
+            <p:ph idx="1"/>
+          </p:nvPr>
+        </p:nvSpPr>
+        <p:spPr>
+          <a:xfrm>
+            <a:off x="0" y="1563639"/>
+            <a:ext cx="9144000" cy="1803647"/>
+          </a:xfrm>
+        </p:spPr>
+        <p:txBody>
+          <a:bodyPr anchor="ctr">
+            <a:normAutofit/>
+          </a:bodyPr>
+          <a:lstStyle/>
+          <a:p>
+            <a:pPr marL="0" indent="0" algn="ctr">
+              <a:buNone/>
+            </a:pPr>
+            <a:r>
+              <a:rPr lang="zh-TW" altLang="en-US" sz="4950" b="1" dirty="0">
+                <a:solidFill>
+                  <a:srgbClr val="660033"/>
+                </a:solidFill>
+                <a:latin typeface="Microsoft JhengHei" panose="020B0604030504040204" pitchFamily="34" charset="-120"/>
+                <a:ea typeface="Microsoft JhengHei" panose="020B0604030504040204" pitchFamily="34" charset="-120"/>
+              </a:rPr>
+              <a:t>主云總不撇下你   慈聲對你說</a:t>
+            </a:r>
+            <a:endParaRPr lang="en-US" altLang="zh-TW" sz="4950" b="1" dirty="0">
+              <a:solidFill>
+                <a:srgbClr val="660033"/>
+              </a:solidFill>
+              <a:latin typeface="Microsoft JhengHei" panose="020B0604030504040204" pitchFamily="34" charset="-120"/>
+              <a:ea typeface="Microsoft JhengHei" panose="020B0604030504040204" pitchFamily="34" charset="-120"/>
+            </a:endParaRPr>
+          </a:p>
+          <a:p>
+            <a:pPr marL="0" indent="0" algn="ctr">
+              <a:buNone/>
+            </a:pPr>
+            <a:r>
+              <a:rPr lang="zh-TW" altLang="en-US" sz="4950" b="1" dirty="0">
+                <a:solidFill>
+                  <a:srgbClr val="660033"/>
+                </a:solidFill>
+                <a:latin typeface="Microsoft JhengHei" panose="020B0604030504040204" pitchFamily="34" charset="-120"/>
+                <a:ea typeface="Microsoft JhengHei" panose="020B0604030504040204" pitchFamily="34" charset="-120"/>
+              </a:rPr>
+              <a:t>我總不離開你   耶穌屬我</a:t>
+            </a:r>
+            <a:endParaRPr lang="en-US" sz="4950" b="1" dirty="0">
+              <a:solidFill>
+                <a:srgbClr val="660033"/>
+              </a:solidFill>
+              <a:latin typeface="Microsoft JhengHei" panose="020B0604030504040204" pitchFamily="34" charset="-120"/>
+              <a:ea typeface="Microsoft JhengHei" panose="020B0604030504040204" pitchFamily="34" charset="-120"/>
+            </a:endParaRPr>
+          </a:p>
+        </p:txBody>
+      </p:sp>
+    </p:spTree>
+    <p:extLst>
+      <p:ext uri="{BB962C8B-B14F-4D97-AF65-F5344CB8AC3E}">
+        <p14:creationId xmlns:p14="http://schemas.microsoft.com/office/powerpoint/2010/main" val="4262440908"/>
+      </p:ext>
+    </p:extLst>
+  </p:cSld>
+  <p:clrMapOvr>
+    <a:masterClrMapping/>
+  </p:clrMapOvr>
+  <p:timing>
+    <p:tnLst>
+      <p:par>
+        <p:cTn id="1" dur="indefinite" restart="never" nodeType="tmRoot"/>
+      </p:par>
+    </p:tnLst>
+  </p:timing>
 </p:sld>
 </file>
 
@@ -3441,39 +3866,60 @@
       </p:grpSpPr>
       <p:sp>
         <p:nvSpPr>
-          <p:cNvPr id="2" name="Title 1">
-            <a:extLst>
-              <a:ext uri="{FF2B5EF4-FFF2-40B4-BE49-F238E27FC236}">
-                <a16:creationId xmlns:a16="http://schemas.microsoft.com/office/drawing/2014/main" id="{AF9FD075-AEC5-4137-94C0-C4C53556BC02}"/>
-              </a:ext>
-            </a:extLst>
-          </p:cNvPr>
-          <p:cNvSpPr>
-            <a:spLocks noGrp="1"/>
-          </p:cNvSpPr>
-          <p:nvPr>
-            <p:ph type="title"/>
-          </p:nvPr>
-        </p:nvSpPr>
-        <p:spPr/>
-        <p:txBody>
-          <a:bodyPr>
+          <p:cNvPr id="5" name="內容版面配置區 4"/>
+          <p:cNvSpPr>
+            <a:spLocks noGrp="1"/>
+          </p:cNvSpPr>
+          <p:nvPr>
+            <p:ph idx="1"/>
+          </p:nvPr>
+        </p:nvSpPr>
+        <p:spPr>
+          <a:xfrm>
+            <a:off x="0" y="1563639"/>
+            <a:ext cx="9144000" cy="1803647"/>
+          </a:xfrm>
+        </p:spPr>
+        <p:txBody>
+          <a:bodyPr anchor="ctr">
             <a:normAutofit/>
           </a:bodyPr>
           <a:lstStyle/>
           <a:p>
-            <a:pPr algn="ctr"/>
-            <a:r>
-              <a:rPr lang="zh-TW" altLang="en-US" b="1" dirty="0">
+            <a:pPr marL="0" indent="0" algn="ctr">
+              <a:buNone/>
+            </a:pPr>
+            <a:r>
+              <a:rPr lang="zh-TW" altLang="en-US" sz="4950" b="1" dirty="0">
                 <a:solidFill>
                   <a:srgbClr val="660033"/>
                 </a:solidFill>
                 <a:latin typeface="Microsoft JhengHei" panose="020B0604030504040204" pitchFamily="34" charset="-120"/>
                 <a:ea typeface="Microsoft JhengHei" panose="020B0604030504040204" pitchFamily="34" charset="-120"/>
               </a:rPr>
-              <a:t>永遠在我心裡</a:t>
-            </a:r>
-            <a:endParaRPr lang="en-US" b="1" dirty="0">
+              <a:t>有平安在我心</a:t>
+            </a:r>
+            <a:r>
+              <a:rPr lang="en-US" altLang="zh-TW" sz="4950" b="1" dirty="0">
+                <a:solidFill>
+                  <a:srgbClr val="660033"/>
+                </a:solidFill>
+                <a:latin typeface="Microsoft JhengHei" panose="020B0604030504040204" pitchFamily="34" charset="-120"/>
+                <a:ea typeface="Microsoft JhengHei" panose="020B0604030504040204" pitchFamily="34" charset="-120"/>
+              </a:rPr>
+              <a:t>   </a:t>
+            </a:r>
+            <a:r>
+              <a:rPr lang="zh-TW" altLang="en-US" sz="4950" b="1" dirty="0">
+                <a:solidFill>
+                  <a:srgbClr val="660033"/>
+                </a:solidFill>
+                <a:latin typeface="Microsoft JhengHei" panose="020B0604030504040204" pitchFamily="34" charset="-120"/>
+                <a:ea typeface="Microsoft JhengHei" panose="020B0604030504040204" pitchFamily="34" charset="-120"/>
+              </a:rPr>
+              <a:t>非世界所能賜</a:t>
+            </a:r>
+            <a:endParaRPr lang="en-US" altLang="zh-TW" sz="4950" b="1" dirty="0">
               <a:solidFill>
                 <a:srgbClr val="660033"/>
               </a:solidFill>
@@ -3481,129 +3927,65 @@
               <a:ea typeface="Microsoft JhengHei" panose="020B0604030504040204" pitchFamily="34" charset="-120"/>
             </a:endParaRPr>
           </a:p>
-        </p:txBody>
-      </p:sp>
-      <p:sp>
-        <p:nvSpPr>
-          <p:cNvPr id="3" name="Content Placeholder 2">
-            <a:extLst>
-              <a:ext uri="{FF2B5EF4-FFF2-40B4-BE49-F238E27FC236}">
-                <a16:creationId xmlns:a16="http://schemas.microsoft.com/office/drawing/2014/main" id="{D8B275D4-3DA6-4D2A-BF50-7BDA9D9CE988}"/>
-              </a:ext>
-            </a:extLst>
-          </p:cNvPr>
-          <p:cNvSpPr>
-            <a:spLocks noGrp="1"/>
-          </p:cNvSpPr>
-          <p:nvPr>
-            <p:ph idx="1"/>
-          </p:nvPr>
-        </p:nvSpPr>
-        <p:spPr>
-          <a:xfrm>
-            <a:off x="0" y="1369218"/>
-            <a:ext cx="9144000" cy="3263504"/>
-          </a:xfrm>
-        </p:spPr>
-        <p:txBody>
-          <a:bodyPr>
-            <a:noAutofit/>
-          </a:bodyPr>
-          <a:lstStyle/>
           <a:p>
             <a:pPr marL="0" indent="0" algn="ctr">
               <a:buNone/>
             </a:pPr>
             <a:r>
-              <a:rPr lang="zh-TW" altLang="en-US" sz="4800" b="1" dirty="0">
+              <a:rPr lang="zh-TW" altLang="en-US" sz="4950" b="1" dirty="0">
                 <a:solidFill>
                   <a:srgbClr val="660033"/>
                 </a:solidFill>
                 <a:latin typeface="Microsoft JhengHei" panose="020B0604030504040204" pitchFamily="34" charset="-120"/>
                 <a:ea typeface="Microsoft JhengHei" panose="020B0604030504040204" pitchFamily="34" charset="-120"/>
-                <a:cs typeface="+mj-cs"/>
               </a:rPr>
-              <a:t>永遠在我心裡   耶穌屬我</a:t>
-            </a:r>
-            <a:endParaRPr lang="en-US" altLang="zh-TW" sz="4800" b="1" dirty="0">
+              <a:t>平安沒有人能奪去</a:t>
+            </a:r>
+            <a:endParaRPr lang="en-US" altLang="zh-TW" sz="4950" b="1" dirty="0">
               <a:solidFill>
                 <a:srgbClr val="660033"/>
               </a:solidFill>
               <a:latin typeface="Microsoft JhengHei" panose="020B0604030504040204" pitchFamily="34" charset="-120"/>
               <a:ea typeface="Microsoft JhengHei" panose="020B0604030504040204" pitchFamily="34" charset="-120"/>
-              <a:cs typeface="+mj-cs"/>
             </a:endParaRPr>
           </a:p>
-          <a:p>
-            <a:pPr marL="0" indent="0" algn="ctr">
-              <a:buNone/>
-            </a:pPr>
-            <a:r>
-              <a:rPr lang="zh-TW" altLang="en-US" sz="4800" b="1" dirty="0">
+        </p:txBody>
+      </p:sp>
+      <p:sp>
+        <p:nvSpPr>
+          <p:cNvPr id="3" name="TextBox 2"/>
+          <p:cNvSpPr txBox="1"/>
+          <p:nvPr/>
+        </p:nvSpPr>
+        <p:spPr>
+          <a:xfrm>
+            <a:off x="0" y="3795887"/>
+            <a:ext cx="9144000" cy="646331"/>
+          </a:xfrm>
+          <a:prstGeom prst="rect">
+            <a:avLst/>
+          </a:prstGeom>
+          <a:noFill/>
+        </p:spPr>
+        <p:txBody>
+          <a:bodyPr wrap="square" rtlCol="0">
+            <a:spAutoFit/>
+          </a:bodyPr>
+          <a:lstStyle/>
+          <a:p>
+            <a:pPr algn="ctr"/>
+            <a:r>
+              <a:rPr lang="en-US" sz="3600" b="1" dirty="0">
                 <a:solidFill>
                   <a:srgbClr val="660033"/>
                 </a:solidFill>
-                <a:latin typeface="Microsoft JhengHei" panose="020B0604030504040204" pitchFamily="34" charset="-120"/>
-                <a:ea typeface="Microsoft JhengHei" panose="020B0604030504040204" pitchFamily="34" charset="-120"/>
-                <a:cs typeface="+mj-cs"/>
               </a:rPr>
-              <a:t>永遠在我心裡   無上快樂</a:t>
-            </a:r>
-            <a:endParaRPr lang="en-US" altLang="zh-TW" sz="4800" b="1" dirty="0">
+              <a:t>( 1 )</a:t>
+            </a:r>
+            <a:endParaRPr lang="vi-VN" sz="3600" b="1" dirty="0">
               <a:solidFill>
                 <a:srgbClr val="660033"/>
               </a:solidFill>
-              <a:latin typeface="Microsoft JhengHei" panose="020B0604030504040204" pitchFamily="34" charset="-120"/>
-              <a:ea typeface="Microsoft JhengHei" panose="020B0604030504040204" pitchFamily="34" charset="-120"/>
-              <a:cs typeface="+mj-cs"/>
-            </a:endParaRPr>
-          </a:p>
-          <a:p>
-            <a:pPr marL="0" indent="0" algn="ctr">
-              <a:buNone/>
-            </a:pPr>
-            <a:r>
-              <a:rPr lang="zh-TW" altLang="en-US" sz="4800" b="1" dirty="0">
-                <a:solidFill>
-                  <a:srgbClr val="660033"/>
-                </a:solidFill>
-                <a:latin typeface="Microsoft JhengHei" panose="020B0604030504040204" pitchFamily="34" charset="-120"/>
-                <a:ea typeface="Microsoft JhengHei" panose="020B0604030504040204" pitchFamily="34" charset="-120"/>
-                <a:cs typeface="+mj-cs"/>
-              </a:rPr>
-              <a:t>主云總不撇下你   慈聲對你說</a:t>
-            </a:r>
-            <a:endParaRPr lang="en-US" altLang="zh-TW" sz="4800" b="1" dirty="0">
-              <a:solidFill>
-                <a:srgbClr val="660033"/>
-              </a:solidFill>
-              <a:latin typeface="Microsoft JhengHei" panose="020B0604030504040204" pitchFamily="34" charset="-120"/>
-              <a:ea typeface="Microsoft JhengHei" panose="020B0604030504040204" pitchFamily="34" charset="-120"/>
-              <a:cs typeface="+mj-cs"/>
-            </a:endParaRPr>
-          </a:p>
-          <a:p>
-            <a:pPr marL="0" indent="0" algn="ctr">
-              <a:buNone/>
-            </a:pPr>
-            <a:r>
-              <a:rPr lang="zh-TW" altLang="en-US" sz="4800" b="1" dirty="0">
-                <a:solidFill>
-                  <a:srgbClr val="660033"/>
-                </a:solidFill>
-                <a:latin typeface="Microsoft JhengHei" panose="020B0604030504040204" pitchFamily="34" charset="-120"/>
-                <a:ea typeface="Microsoft JhengHei" panose="020B0604030504040204" pitchFamily="34" charset="-120"/>
-                <a:cs typeface="+mj-cs"/>
-              </a:rPr>
-              <a:t>我總不離開你   耶穌屬我</a:t>
-            </a:r>
-            <a:endParaRPr lang="en-US" sz="4800" b="1" dirty="0">
-              <a:solidFill>
-                <a:srgbClr val="660033"/>
-              </a:solidFill>
-              <a:latin typeface="Microsoft JhengHei" panose="020B0604030504040204" pitchFamily="34" charset="-120"/>
-              <a:ea typeface="Microsoft JhengHei" panose="020B0604030504040204" pitchFamily="34" charset="-120"/>
-              <a:cs typeface="+mj-cs"/>
             </a:endParaRPr>
           </a:p>
         </p:txBody>
@@ -3611,13 +3993,20 @@
     </p:spTree>
     <p:extLst>
       <p:ext uri="{BB962C8B-B14F-4D97-AF65-F5344CB8AC3E}">
-        <p14:creationId xmlns:p14="http://schemas.microsoft.com/office/powerpoint/2010/main" val="3539661562"/>
+        <p14:creationId xmlns:p14="http://schemas.microsoft.com/office/powerpoint/2010/main" val="2985982528"/>
       </p:ext>
     </p:extLst>
   </p:cSld>
   <p:clrMapOvr>
     <a:masterClrMapping/>
   </p:clrMapOvr>
+  <p:timing>
+    <p:tnLst>
+      <p:par>
+        <p:cTn id="1" dur="indefinite" restart="never" nodeType="tmRoot"/>
+      </p:par>
+    </p:tnLst>
+  </p:timing>
 </p:sld>
 </file>
 
@@ -3640,37 +4029,40 @@
       </p:grpSpPr>
       <p:sp>
         <p:nvSpPr>
-          <p:cNvPr id="2" name="Title 1">
-            <a:extLst>
-              <a:ext uri="{FF2B5EF4-FFF2-40B4-BE49-F238E27FC236}">
-                <a16:creationId xmlns:a16="http://schemas.microsoft.com/office/drawing/2014/main" id="{AF9FD075-AEC5-4137-94C0-C4C53556BC02}"/>
-              </a:ext>
-            </a:extLst>
-          </p:cNvPr>
-          <p:cNvSpPr>
-            <a:spLocks noGrp="1"/>
-          </p:cNvSpPr>
-          <p:nvPr>
-            <p:ph type="title"/>
-          </p:nvPr>
-        </p:nvSpPr>
-        <p:spPr/>
-        <p:txBody>
-          <a:bodyPr/>
-          <a:lstStyle/>
-          <a:p>
-            <a:pPr algn="ctr"/>
-            <a:r>
-              <a:rPr lang="zh-TW" altLang="en-US" b="1" dirty="0">
+          <p:cNvPr id="5" name="內容版面配置區 4"/>
+          <p:cNvSpPr>
+            <a:spLocks noGrp="1"/>
+          </p:cNvSpPr>
+          <p:nvPr>
+            <p:ph idx="1"/>
+          </p:nvPr>
+        </p:nvSpPr>
+        <p:spPr>
+          <a:xfrm>
+            <a:off x="0" y="1563639"/>
+            <a:ext cx="9144000" cy="1803647"/>
+          </a:xfrm>
+        </p:spPr>
+        <p:txBody>
+          <a:bodyPr anchor="ctr">
+            <a:normAutofit/>
+          </a:bodyPr>
+          <a:lstStyle/>
+          <a:p>
+            <a:pPr marL="0" indent="0" algn="ctr">
+              <a:buNone/>
+            </a:pPr>
+            <a:r>
+              <a:rPr lang="zh-TW" altLang="en-US" sz="4950" b="1" dirty="0">
                 <a:solidFill>
                   <a:srgbClr val="660033"/>
                 </a:solidFill>
                 <a:latin typeface="Microsoft JhengHei" panose="020B0604030504040204" pitchFamily="34" charset="-120"/>
                 <a:ea typeface="Microsoft JhengHei" panose="020B0604030504040204" pitchFamily="34" charset="-120"/>
               </a:rPr>
-              <a:t>永遠在我心裡</a:t>
-            </a:r>
-            <a:endParaRPr lang="en-US" b="1" dirty="0">
+              <a:t>雖試煉與艱難如愁雲之環繞</a:t>
+            </a:r>
+            <a:endParaRPr lang="en-US" altLang="zh-TW" sz="4950" b="1" dirty="0">
               <a:solidFill>
                 <a:srgbClr val="660033"/>
               </a:solidFill>
@@ -3678,165 +4070,40 @@
               <a:ea typeface="Microsoft JhengHei" panose="020B0604030504040204" pitchFamily="34" charset="-120"/>
             </a:endParaRPr>
           </a:p>
-        </p:txBody>
-      </p:sp>
-      <p:sp>
-        <p:nvSpPr>
-          <p:cNvPr id="3" name="Content Placeholder 2">
-            <a:extLst>
-              <a:ext uri="{FF2B5EF4-FFF2-40B4-BE49-F238E27FC236}">
-                <a16:creationId xmlns:a16="http://schemas.microsoft.com/office/drawing/2014/main" id="{D8B275D4-3DA6-4D2A-BF50-7BDA9D9CE988}"/>
-              </a:ext>
-            </a:extLst>
-          </p:cNvPr>
-          <p:cNvSpPr>
-            <a:spLocks noGrp="1"/>
-          </p:cNvSpPr>
-          <p:nvPr>
-            <p:ph idx="1"/>
-          </p:nvPr>
-        </p:nvSpPr>
-        <p:spPr>
-          <a:xfrm>
-            <a:off x="0" y="1369218"/>
-            <a:ext cx="9144000" cy="3263504"/>
-          </a:xfrm>
-        </p:spPr>
-        <p:txBody>
-          <a:bodyPr>
-            <a:noAutofit/>
-          </a:bodyPr>
-          <a:lstStyle/>
           <a:p>
             <a:pPr marL="0" indent="0" algn="ctr">
               <a:buNone/>
             </a:pPr>
             <a:r>
-              <a:rPr lang="zh-TW" altLang="en-US" sz="4800" b="1" dirty="0">
+              <a:rPr lang="zh-TW" altLang="en-US" sz="4950" b="1" dirty="0">
                 <a:solidFill>
                   <a:srgbClr val="660033"/>
                 </a:solidFill>
                 <a:latin typeface="Microsoft JhengHei" panose="020B0604030504040204" pitchFamily="34" charset="-120"/>
                 <a:ea typeface="Microsoft JhengHei" panose="020B0604030504040204" pitchFamily="34" charset="-120"/>
-                <a:cs typeface="+mj-cs"/>
               </a:rPr>
-              <a:t>普世界當讚美  </a:t>
-            </a:r>
-            <a:r>
-              <a:rPr lang="zh-TW" altLang="en-US" sz="4800" b="1" dirty="0" smtClean="0">
-                <a:solidFill>
-                  <a:srgbClr val="660033"/>
-                </a:solidFill>
-                <a:latin typeface="Microsoft JhengHei" panose="020B0604030504040204" pitchFamily="34" charset="-120"/>
-                <a:ea typeface="Microsoft JhengHei" panose="020B0604030504040204" pitchFamily="34" charset="-120"/>
-                <a:cs typeface="+mj-cs"/>
-              </a:rPr>
-              <a:t>我</a:t>
-            </a:r>
-            <a:r>
-              <a:rPr lang="zh-TW" altLang="en-US" sz="4800" b="1" dirty="0">
-                <a:solidFill>
-                  <a:srgbClr val="660033"/>
-                </a:solidFill>
-                <a:latin typeface="Microsoft JhengHei" panose="020B0604030504040204" pitchFamily="34" charset="-120"/>
-                <a:ea typeface="Microsoft JhengHei" panose="020B0604030504040204" pitchFamily="34" charset="-120"/>
-                <a:cs typeface="+mj-cs"/>
-              </a:rPr>
-              <a:t>救主大君王</a:t>
-            </a:r>
-            <a:endParaRPr lang="en-US" altLang="zh-TW" sz="4800" b="1" dirty="0">
+              <a:t>我心裡永遠有這平安</a:t>
+            </a:r>
+            <a:endParaRPr lang="en-US" sz="4950" b="1" dirty="0">
               <a:solidFill>
                 <a:srgbClr val="660033"/>
               </a:solidFill>
               <a:latin typeface="Microsoft JhengHei" panose="020B0604030504040204" pitchFamily="34" charset="-120"/>
               <a:ea typeface="Microsoft JhengHei" panose="020B0604030504040204" pitchFamily="34" charset="-120"/>
-              <a:cs typeface="+mj-cs"/>
             </a:endParaRPr>
           </a:p>
-          <a:p>
-            <a:pPr marL="0" indent="0" algn="ctr">
-              <a:buNone/>
-            </a:pPr>
-            <a:r>
-              <a:rPr lang="zh-TW" altLang="en-US" sz="4800" b="1" dirty="0">
-                <a:solidFill>
-                  <a:srgbClr val="660033"/>
-                </a:solidFill>
-                <a:latin typeface="Microsoft JhengHei" panose="020B0604030504040204" pitchFamily="34" charset="-120"/>
-                <a:ea typeface="Microsoft JhengHei" panose="020B0604030504040204" pitchFamily="34" charset="-120"/>
-                <a:cs typeface="+mj-cs"/>
-              </a:rPr>
-              <a:t>這平安便入你心間</a:t>
-            </a:r>
-            <a:endParaRPr lang="en-US" altLang="zh-TW" sz="4800" b="1" dirty="0">
-              <a:solidFill>
-                <a:srgbClr val="660033"/>
-              </a:solidFill>
-              <a:latin typeface="Microsoft JhengHei" panose="020B0604030504040204" pitchFamily="34" charset="-120"/>
-              <a:ea typeface="Microsoft JhengHei" panose="020B0604030504040204" pitchFamily="34" charset="-120"/>
-              <a:cs typeface="+mj-cs"/>
-            </a:endParaRPr>
-          </a:p>
-          <a:p>
-            <a:pPr marL="0" indent="0" algn="ctr">
-              <a:buNone/>
-            </a:pPr>
-            <a:r>
-              <a:rPr lang="zh-TW" altLang="en-US" sz="4800" b="1" dirty="0">
-                <a:solidFill>
-                  <a:srgbClr val="660033"/>
-                </a:solidFill>
-                <a:latin typeface="Microsoft JhengHei" panose="020B0604030504040204" pitchFamily="34" charset="-120"/>
-                <a:ea typeface="Microsoft JhengHei" panose="020B0604030504040204" pitchFamily="34" charset="-120"/>
-                <a:cs typeface="+mj-cs"/>
-              </a:rPr>
-              <a:t>諸愁苦皆飛去將陰沉變輝煌</a:t>
-            </a:r>
-            <a:endParaRPr lang="en-US" altLang="zh-TW" sz="4800" b="1" dirty="0">
-              <a:solidFill>
-                <a:srgbClr val="660033"/>
-              </a:solidFill>
-              <a:latin typeface="Microsoft JhengHei" panose="020B0604030504040204" pitchFamily="34" charset="-120"/>
-              <a:ea typeface="Microsoft JhengHei" panose="020B0604030504040204" pitchFamily="34" charset="-120"/>
-              <a:cs typeface="+mj-cs"/>
-            </a:endParaRPr>
-          </a:p>
-          <a:p>
-            <a:pPr marL="0" indent="0" algn="ctr">
-              <a:buNone/>
-            </a:pPr>
-            <a:r>
-              <a:rPr lang="zh-TW" altLang="en-US" sz="4800" b="1" dirty="0">
-                <a:solidFill>
-                  <a:srgbClr val="660033"/>
-                </a:solidFill>
-                <a:latin typeface="Microsoft JhengHei" panose="020B0604030504040204" pitchFamily="34" charset="-120"/>
-                <a:ea typeface="Microsoft JhengHei" panose="020B0604030504040204" pitchFamily="34" charset="-120"/>
-                <a:cs typeface="+mj-cs"/>
-              </a:rPr>
-              <a:t>萬福我耶穌萬民之光</a:t>
-            </a:r>
-            <a:endParaRPr lang="en-US" sz="4800" b="1" dirty="0">
-              <a:solidFill>
-                <a:srgbClr val="660033"/>
-              </a:solidFill>
-              <a:latin typeface="Microsoft JhengHei" panose="020B0604030504040204" pitchFamily="34" charset="-120"/>
-              <a:ea typeface="Microsoft JhengHei" panose="020B0604030504040204" pitchFamily="34" charset="-120"/>
-              <a:cs typeface="+mj-cs"/>
-            </a:endParaRPr>
-          </a:p>
-        </p:txBody>
-      </p:sp>
-      <p:sp>
-        <p:nvSpPr>
-          <p:cNvPr id="4" name="TextBox 3"/>
+        </p:txBody>
+      </p:sp>
+      <p:sp>
+        <p:nvSpPr>
+          <p:cNvPr id="3" name="TextBox 2"/>
           <p:cNvSpPr txBox="1"/>
           <p:nvPr/>
         </p:nvSpPr>
         <p:spPr>
           <a:xfrm>
-            <a:off x="-3068" y="1478997"/>
-            <a:ext cx="659718" cy="769441"/>
+            <a:off x="0" y="3795887"/>
+            <a:ext cx="9144000" cy="646331"/>
           </a:xfrm>
           <a:prstGeom prst="rect">
             <a:avLst/>
@@ -3849,23 +4116,16 @@
           </a:bodyPr>
           <a:lstStyle/>
           <a:p>
-            <a:r>
-              <a:rPr lang="en-US" sz="4400" b="1" dirty="0">
+            <a:pPr algn="ctr"/>
+            <a:r>
+              <a:rPr lang="en-US" sz="3600" b="1" dirty="0">
                 <a:solidFill>
                   <a:srgbClr val="660033"/>
                 </a:solidFill>
               </a:rPr>
-              <a:t>2</a:t>
-            </a:r>
-            <a:r>
-              <a:rPr lang="en-US" sz="4400" b="1" dirty="0" smtClean="0">
-                <a:solidFill>
-                  <a:srgbClr val="660033"/>
-                </a:solidFill>
-              </a:rPr>
-              <a:t>.</a:t>
-            </a:r>
-            <a:endParaRPr lang="vi-VN" sz="4400" b="1" dirty="0">
+              <a:t>( 1 )</a:t>
+            </a:r>
+            <a:endParaRPr lang="vi-VN" sz="3600" b="1" dirty="0">
               <a:solidFill>
                 <a:srgbClr val="660033"/>
               </a:solidFill>
@@ -3876,13 +4136,20 @@
     </p:spTree>
     <p:extLst>
       <p:ext uri="{BB962C8B-B14F-4D97-AF65-F5344CB8AC3E}">
-        <p14:creationId xmlns:p14="http://schemas.microsoft.com/office/powerpoint/2010/main" val="850313939"/>
+        <p14:creationId xmlns:p14="http://schemas.microsoft.com/office/powerpoint/2010/main" val="1606363102"/>
       </p:ext>
     </p:extLst>
   </p:cSld>
   <p:clrMapOvr>
     <a:masterClrMapping/>
   </p:clrMapOvr>
+  <p:timing>
+    <p:tnLst>
+      <p:par>
+        <p:cTn id="1" dur="indefinite" restart="never" nodeType="tmRoot"/>
+      </p:par>
+    </p:tnLst>
+  </p:timing>
 </p:sld>
 </file>
 
@@ -3905,37 +4172,40 @@
       </p:grpSpPr>
       <p:sp>
         <p:nvSpPr>
-          <p:cNvPr id="2" name="Title 1">
-            <a:extLst>
-              <a:ext uri="{FF2B5EF4-FFF2-40B4-BE49-F238E27FC236}">
-                <a16:creationId xmlns:a16="http://schemas.microsoft.com/office/drawing/2014/main" id="{AF9FD075-AEC5-4137-94C0-C4C53556BC02}"/>
-              </a:ext>
-            </a:extLst>
-          </p:cNvPr>
-          <p:cNvSpPr>
-            <a:spLocks noGrp="1"/>
-          </p:cNvSpPr>
-          <p:nvPr>
-            <p:ph type="title"/>
-          </p:nvPr>
-        </p:nvSpPr>
-        <p:spPr/>
-        <p:txBody>
-          <a:bodyPr/>
-          <a:lstStyle/>
-          <a:p>
-            <a:pPr algn="ctr"/>
-            <a:r>
-              <a:rPr lang="zh-TW" altLang="en-US" b="1" dirty="0">
+          <p:cNvPr id="5" name="內容版面配置區 4"/>
+          <p:cNvSpPr>
+            <a:spLocks noGrp="1"/>
+          </p:cNvSpPr>
+          <p:nvPr>
+            <p:ph idx="1"/>
+          </p:nvPr>
+        </p:nvSpPr>
+        <p:spPr>
+          <a:xfrm>
+            <a:off x="0" y="1563639"/>
+            <a:ext cx="9144000" cy="1803647"/>
+          </a:xfrm>
+        </p:spPr>
+        <p:txBody>
+          <a:bodyPr anchor="ctr">
+            <a:normAutofit/>
+          </a:bodyPr>
+          <a:lstStyle/>
+          <a:p>
+            <a:pPr marL="0" indent="0" algn="ctr">
+              <a:buNone/>
+            </a:pPr>
+            <a:r>
+              <a:rPr lang="zh-TW" altLang="en-US" sz="4950" b="1" dirty="0">
                 <a:solidFill>
                   <a:srgbClr val="660033"/>
                 </a:solidFill>
                 <a:latin typeface="Microsoft JhengHei" panose="020B0604030504040204" pitchFamily="34" charset="-120"/>
                 <a:ea typeface="Microsoft JhengHei" panose="020B0604030504040204" pitchFamily="34" charset="-120"/>
               </a:rPr>
-              <a:t>永遠在我心裡</a:t>
-            </a:r>
-            <a:endParaRPr lang="en-US" b="1" dirty="0">
+              <a:t>永遠在我心裡   耶穌屬我</a:t>
+            </a:r>
+            <a:endParaRPr lang="en-US" altLang="zh-TW" sz="4950" b="1" dirty="0">
               <a:solidFill>
                 <a:srgbClr val="660033"/>
               </a:solidFill>
@@ -3943,129 +4213,26 @@
               <a:ea typeface="Microsoft JhengHei" panose="020B0604030504040204" pitchFamily="34" charset="-120"/>
             </a:endParaRPr>
           </a:p>
-        </p:txBody>
-      </p:sp>
-      <p:sp>
-        <p:nvSpPr>
-          <p:cNvPr id="3" name="Content Placeholder 2">
-            <a:extLst>
-              <a:ext uri="{FF2B5EF4-FFF2-40B4-BE49-F238E27FC236}">
-                <a16:creationId xmlns:a16="http://schemas.microsoft.com/office/drawing/2014/main" id="{D8B275D4-3DA6-4D2A-BF50-7BDA9D9CE988}"/>
-              </a:ext>
-            </a:extLst>
-          </p:cNvPr>
-          <p:cNvSpPr>
-            <a:spLocks noGrp="1"/>
-          </p:cNvSpPr>
-          <p:nvPr>
-            <p:ph idx="1"/>
-          </p:nvPr>
-        </p:nvSpPr>
-        <p:spPr>
-          <a:xfrm>
-            <a:off x="0" y="1369218"/>
-            <a:ext cx="9144000" cy="3263504"/>
-          </a:xfrm>
-        </p:spPr>
-        <p:txBody>
-          <a:bodyPr>
-            <a:noAutofit/>
-          </a:bodyPr>
-          <a:lstStyle/>
           <a:p>
             <a:pPr marL="0" indent="0" algn="ctr">
               <a:buNone/>
             </a:pPr>
             <a:r>
-              <a:rPr lang="zh-TW" altLang="en-US" sz="4800" b="1" dirty="0">
+              <a:rPr lang="zh-TW" altLang="en-US" sz="4950" b="1" dirty="0">
                 <a:solidFill>
                   <a:srgbClr val="660033"/>
                 </a:solidFill>
                 <a:latin typeface="Microsoft JhengHei" panose="020B0604030504040204" pitchFamily="34" charset="-120"/>
                 <a:ea typeface="Microsoft JhengHei" panose="020B0604030504040204" pitchFamily="34" charset="-120"/>
-                <a:cs typeface="+mj-cs"/>
               </a:rPr>
-              <a:t>永遠在我心裡   耶穌屬我</a:t>
-            </a:r>
-            <a:endParaRPr lang="en-US" altLang="zh-TW" sz="4800" b="1" dirty="0">
+              <a:t>永遠在我心裡   無上快樂</a:t>
+            </a:r>
+            <a:endParaRPr lang="en-US" altLang="zh-TW" sz="4950" b="1" dirty="0">
               <a:solidFill>
                 <a:srgbClr val="660033"/>
               </a:solidFill>
               <a:latin typeface="Microsoft JhengHei" panose="020B0604030504040204" pitchFamily="34" charset="-120"/>
               <a:ea typeface="Microsoft JhengHei" panose="020B0604030504040204" pitchFamily="34" charset="-120"/>
-              <a:cs typeface="+mj-cs"/>
-            </a:endParaRPr>
-          </a:p>
-          <a:p>
-            <a:pPr marL="0" indent="0" algn="ctr">
-              <a:buNone/>
-            </a:pPr>
-            <a:r>
-              <a:rPr lang="zh-TW" altLang="en-US" sz="4800" b="1" dirty="0">
-                <a:solidFill>
-                  <a:srgbClr val="660033"/>
-                </a:solidFill>
-                <a:latin typeface="Microsoft JhengHei" panose="020B0604030504040204" pitchFamily="34" charset="-120"/>
-                <a:ea typeface="Microsoft JhengHei" panose="020B0604030504040204" pitchFamily="34" charset="-120"/>
-                <a:cs typeface="+mj-cs"/>
-              </a:rPr>
-              <a:t>永遠在我心裡   無上快樂</a:t>
-            </a:r>
-            <a:endParaRPr lang="en-US" altLang="zh-TW" sz="4800" b="1" dirty="0">
-              <a:solidFill>
-                <a:srgbClr val="660033"/>
-              </a:solidFill>
-              <a:latin typeface="Microsoft JhengHei" panose="020B0604030504040204" pitchFamily="34" charset="-120"/>
-              <a:ea typeface="Microsoft JhengHei" panose="020B0604030504040204" pitchFamily="34" charset="-120"/>
-              <a:cs typeface="+mj-cs"/>
-            </a:endParaRPr>
-          </a:p>
-          <a:p>
-            <a:pPr marL="0" indent="0" algn="ctr">
-              <a:buNone/>
-            </a:pPr>
-            <a:r>
-              <a:rPr lang="zh-TW" altLang="en-US" sz="4800" b="1" dirty="0">
-                <a:solidFill>
-                  <a:srgbClr val="660033"/>
-                </a:solidFill>
-                <a:latin typeface="Microsoft JhengHei" panose="020B0604030504040204" pitchFamily="34" charset="-120"/>
-                <a:ea typeface="Microsoft JhengHei" panose="020B0604030504040204" pitchFamily="34" charset="-120"/>
-                <a:cs typeface="+mj-cs"/>
-              </a:rPr>
-              <a:t>主云總不撇下你   慈聲對你說</a:t>
-            </a:r>
-            <a:endParaRPr lang="en-US" altLang="zh-TW" sz="4800" b="1" dirty="0">
-              <a:solidFill>
-                <a:srgbClr val="660033"/>
-              </a:solidFill>
-              <a:latin typeface="Microsoft JhengHei" panose="020B0604030504040204" pitchFamily="34" charset="-120"/>
-              <a:ea typeface="Microsoft JhengHei" panose="020B0604030504040204" pitchFamily="34" charset="-120"/>
-              <a:cs typeface="+mj-cs"/>
-            </a:endParaRPr>
-          </a:p>
-          <a:p>
-            <a:pPr marL="0" indent="0" algn="ctr">
-              <a:buNone/>
-            </a:pPr>
-            <a:r>
-              <a:rPr lang="zh-TW" altLang="en-US" sz="4800" b="1" dirty="0">
-                <a:solidFill>
-                  <a:srgbClr val="660033"/>
-                </a:solidFill>
-                <a:latin typeface="Microsoft JhengHei" panose="020B0604030504040204" pitchFamily="34" charset="-120"/>
-                <a:ea typeface="Microsoft JhengHei" panose="020B0604030504040204" pitchFamily="34" charset="-120"/>
-                <a:cs typeface="+mj-cs"/>
-              </a:rPr>
-              <a:t>我總不離開你   耶穌屬我</a:t>
-            </a:r>
-            <a:endParaRPr lang="en-US" sz="4800" b="1" dirty="0">
-              <a:solidFill>
-                <a:srgbClr val="660033"/>
-              </a:solidFill>
-              <a:latin typeface="Microsoft JhengHei" panose="020B0604030504040204" pitchFamily="34" charset="-120"/>
-              <a:ea typeface="Microsoft JhengHei" panose="020B0604030504040204" pitchFamily="34" charset="-120"/>
-              <a:cs typeface="+mj-cs"/>
             </a:endParaRPr>
           </a:p>
         </p:txBody>
@@ -4073,13 +4240,20 @@
     </p:spTree>
     <p:extLst>
       <p:ext uri="{BB962C8B-B14F-4D97-AF65-F5344CB8AC3E}">
-        <p14:creationId xmlns:p14="http://schemas.microsoft.com/office/powerpoint/2010/main" val="1342715696"/>
+        <p14:creationId xmlns:p14="http://schemas.microsoft.com/office/powerpoint/2010/main" val="3151637007"/>
       </p:ext>
     </p:extLst>
   </p:cSld>
   <p:clrMapOvr>
     <a:masterClrMapping/>
   </p:clrMapOvr>
+  <p:timing>
+    <p:tnLst>
+      <p:par>
+        <p:cTn id="1" dur="indefinite" restart="never" nodeType="tmRoot"/>
+      </p:par>
+    </p:tnLst>
+  </p:timing>
 </p:sld>
 </file>
 
@@ -4102,37 +4276,40 @@
       </p:grpSpPr>
       <p:sp>
         <p:nvSpPr>
-          <p:cNvPr id="2" name="Title 1">
-            <a:extLst>
-              <a:ext uri="{FF2B5EF4-FFF2-40B4-BE49-F238E27FC236}">
-                <a16:creationId xmlns:a16="http://schemas.microsoft.com/office/drawing/2014/main" id="{AF9FD075-AEC5-4137-94C0-C4C53556BC02}"/>
-              </a:ext>
-            </a:extLst>
-          </p:cNvPr>
-          <p:cNvSpPr>
-            <a:spLocks noGrp="1"/>
-          </p:cNvSpPr>
-          <p:nvPr>
-            <p:ph type="title"/>
-          </p:nvPr>
-        </p:nvSpPr>
-        <p:spPr/>
-        <p:txBody>
-          <a:bodyPr/>
-          <a:lstStyle/>
-          <a:p>
-            <a:pPr algn="ctr"/>
-            <a:r>
-              <a:rPr lang="zh-TW" altLang="en-US" b="1" dirty="0">
+          <p:cNvPr id="5" name="內容版面配置區 4"/>
+          <p:cNvSpPr>
+            <a:spLocks noGrp="1"/>
+          </p:cNvSpPr>
+          <p:nvPr>
+            <p:ph idx="1"/>
+          </p:nvPr>
+        </p:nvSpPr>
+        <p:spPr>
+          <a:xfrm>
+            <a:off x="0" y="1563639"/>
+            <a:ext cx="9144000" cy="1803647"/>
+          </a:xfrm>
+        </p:spPr>
+        <p:txBody>
+          <a:bodyPr anchor="ctr">
+            <a:normAutofit/>
+          </a:bodyPr>
+          <a:lstStyle/>
+          <a:p>
+            <a:pPr marL="0" indent="0" algn="ctr">
+              <a:buNone/>
+            </a:pPr>
+            <a:r>
+              <a:rPr lang="zh-TW" altLang="en-US" sz="4950" b="1" dirty="0">
                 <a:solidFill>
                   <a:srgbClr val="660033"/>
                 </a:solidFill>
                 <a:latin typeface="Microsoft JhengHei" panose="020B0604030504040204" pitchFamily="34" charset="-120"/>
                 <a:ea typeface="Microsoft JhengHei" panose="020B0604030504040204" pitchFamily="34" charset="-120"/>
               </a:rPr>
-              <a:t>永遠在我心裡</a:t>
-            </a:r>
-            <a:endParaRPr lang="en-US" b="1" dirty="0">
+              <a:t>主云總不撇下你   慈聲對你說</a:t>
+            </a:r>
+            <a:endParaRPr lang="en-US" altLang="zh-TW" sz="4950" b="1" dirty="0">
               <a:solidFill>
                 <a:srgbClr val="660033"/>
               </a:solidFill>
@@ -4140,197 +4317,26 @@
               <a:ea typeface="Microsoft JhengHei" panose="020B0604030504040204" pitchFamily="34" charset="-120"/>
             </a:endParaRPr>
           </a:p>
-        </p:txBody>
-      </p:sp>
-      <p:sp>
-        <p:nvSpPr>
-          <p:cNvPr id="3" name="Content Placeholder 2">
-            <a:extLst>
-              <a:ext uri="{FF2B5EF4-FFF2-40B4-BE49-F238E27FC236}">
-                <a16:creationId xmlns:a16="http://schemas.microsoft.com/office/drawing/2014/main" id="{D8B275D4-3DA6-4D2A-BF50-7BDA9D9CE988}"/>
-              </a:ext>
-            </a:extLst>
-          </p:cNvPr>
-          <p:cNvSpPr>
-            <a:spLocks noGrp="1"/>
-          </p:cNvSpPr>
-          <p:nvPr>
-            <p:ph idx="1"/>
-          </p:nvPr>
-        </p:nvSpPr>
-        <p:spPr>
-          <a:xfrm>
-            <a:off x="0" y="1369218"/>
-            <a:ext cx="9144000" cy="3263504"/>
-          </a:xfrm>
-        </p:spPr>
-        <p:txBody>
-          <a:bodyPr>
-            <a:noAutofit/>
-          </a:bodyPr>
-          <a:lstStyle/>
           <a:p>
             <a:pPr marL="0" indent="0" algn="ctr">
               <a:buNone/>
             </a:pPr>
             <a:r>
-              <a:rPr lang="zh-TW" altLang="en-US" sz="4800" b="1" dirty="0">
+              <a:rPr lang="zh-TW" altLang="en-US" sz="4950" b="1" dirty="0">
                 <a:solidFill>
                   <a:srgbClr val="660033"/>
                 </a:solidFill>
                 <a:latin typeface="Microsoft JhengHei" panose="020B0604030504040204" pitchFamily="34" charset="-120"/>
                 <a:ea typeface="Microsoft JhengHei" panose="020B0604030504040204" pitchFamily="34" charset="-120"/>
-                <a:cs typeface="+mj-cs"/>
               </a:rPr>
-              <a:t>主賜我此寶物 </a:t>
-            </a:r>
-            <a:r>
-              <a:rPr lang="zh-TW" altLang="en-US" sz="4800" b="1" dirty="0" smtClean="0">
-                <a:solidFill>
-                  <a:srgbClr val="660033"/>
-                </a:solidFill>
-                <a:latin typeface="Microsoft JhengHei" panose="020B0604030504040204" pitchFamily="34" charset="-120"/>
-                <a:ea typeface="Microsoft JhengHei" panose="020B0604030504040204" pitchFamily="34" charset="-120"/>
-                <a:cs typeface="+mj-cs"/>
-              </a:rPr>
-              <a:t> </a:t>
-            </a:r>
-            <a:r>
-              <a:rPr lang="zh-TW" altLang="en-US" sz="4800" b="1" dirty="0">
-                <a:solidFill>
-                  <a:srgbClr val="660033"/>
-                </a:solidFill>
-                <a:latin typeface="Microsoft JhengHei" panose="020B0604030504040204" pitchFamily="34" charset="-120"/>
-                <a:ea typeface="Microsoft JhengHei" panose="020B0604030504040204" pitchFamily="34" charset="-120"/>
-                <a:cs typeface="+mj-cs"/>
-              </a:rPr>
-              <a:t>藏於我之心殿</a:t>
-            </a:r>
-            <a:endParaRPr lang="en-US" altLang="zh-TW" sz="4800" b="1" dirty="0">
+              <a:t>我總不離開你   耶穌屬我</a:t>
+            </a:r>
+            <a:endParaRPr lang="en-US" sz="4950" b="1" dirty="0">
               <a:solidFill>
                 <a:srgbClr val="660033"/>
               </a:solidFill>
               <a:latin typeface="Microsoft JhengHei" panose="020B0604030504040204" pitchFamily="34" charset="-120"/>
               <a:ea typeface="Microsoft JhengHei" panose="020B0604030504040204" pitchFamily="34" charset="-120"/>
-              <a:cs typeface="+mj-cs"/>
-            </a:endParaRPr>
-          </a:p>
-          <a:p>
-            <a:pPr marL="0" indent="0" algn="ctr">
-              <a:buNone/>
-            </a:pPr>
-            <a:r>
-              <a:rPr lang="zh-TW" altLang="en-US" sz="4800" b="1" dirty="0">
-                <a:solidFill>
-                  <a:srgbClr val="660033"/>
-                </a:solidFill>
-                <a:latin typeface="Microsoft JhengHei" panose="020B0604030504040204" pitchFamily="34" charset="-120"/>
-                <a:ea typeface="Microsoft JhengHei" panose="020B0604030504040204" pitchFamily="34" charset="-120"/>
-                <a:cs typeface="+mj-cs"/>
-              </a:rPr>
-              <a:t>奔走天路在此世間</a:t>
-            </a:r>
-            <a:endParaRPr lang="en-US" altLang="zh-TW" sz="4800" b="1" dirty="0">
-              <a:solidFill>
-                <a:srgbClr val="660033"/>
-              </a:solidFill>
-              <a:latin typeface="Microsoft JhengHei" panose="020B0604030504040204" pitchFamily="34" charset="-120"/>
-              <a:ea typeface="Microsoft JhengHei" panose="020B0604030504040204" pitchFamily="34" charset="-120"/>
-              <a:cs typeface="+mj-cs"/>
-            </a:endParaRPr>
-          </a:p>
-          <a:p>
-            <a:pPr marL="0" indent="0" algn="ctr">
-              <a:buNone/>
-            </a:pPr>
-            <a:r>
-              <a:rPr lang="zh-TW" altLang="en-US" sz="4800" b="1" dirty="0">
-                <a:solidFill>
-                  <a:srgbClr val="660033"/>
-                </a:solidFill>
-                <a:latin typeface="Microsoft JhengHei" panose="020B0604030504040204" pitchFamily="34" charset="-120"/>
-                <a:ea typeface="Microsoft JhengHei" panose="020B0604030504040204" pitchFamily="34" charset="-120"/>
-                <a:cs typeface="+mj-cs"/>
-              </a:rPr>
-              <a:t>榮耀大日主必再來接我在先</a:t>
-            </a:r>
-            <a:endParaRPr lang="en-US" altLang="zh-TW" sz="4800" b="1" dirty="0">
-              <a:solidFill>
-                <a:srgbClr val="660033"/>
-              </a:solidFill>
-              <a:latin typeface="Microsoft JhengHei" panose="020B0604030504040204" pitchFamily="34" charset="-120"/>
-              <a:ea typeface="Microsoft JhengHei" panose="020B0604030504040204" pitchFamily="34" charset="-120"/>
-              <a:cs typeface="+mj-cs"/>
-            </a:endParaRPr>
-          </a:p>
-          <a:p>
-            <a:pPr marL="0" indent="0" algn="ctr">
-              <a:buNone/>
-            </a:pPr>
-            <a:r>
-              <a:rPr lang="zh-TW" altLang="en-US" sz="4800" b="1" dirty="0">
-                <a:solidFill>
-                  <a:srgbClr val="660033"/>
-                </a:solidFill>
-                <a:latin typeface="Microsoft JhengHei" panose="020B0604030504040204" pitchFamily="34" charset="-120"/>
-                <a:ea typeface="Microsoft JhengHei" panose="020B0604030504040204" pitchFamily="34" charset="-120"/>
-                <a:cs typeface="+mj-cs"/>
-              </a:rPr>
-              <a:t>到我之家裡安居在天</a:t>
-            </a:r>
-            <a:endParaRPr lang="en-US" sz="4800" b="1" dirty="0">
-              <a:solidFill>
-                <a:srgbClr val="660033"/>
-              </a:solidFill>
-              <a:latin typeface="Microsoft JhengHei" panose="020B0604030504040204" pitchFamily="34" charset="-120"/>
-              <a:ea typeface="Microsoft JhengHei" panose="020B0604030504040204" pitchFamily="34" charset="-120"/>
-              <a:cs typeface="+mj-cs"/>
-            </a:endParaRPr>
-          </a:p>
-        </p:txBody>
-      </p:sp>
-      <p:sp>
-        <p:nvSpPr>
-          <p:cNvPr id="4" name="TextBox 3"/>
-          <p:cNvSpPr txBox="1"/>
-          <p:nvPr/>
-        </p:nvSpPr>
-        <p:spPr>
-          <a:xfrm>
-            <a:off x="-3068" y="1478997"/>
-            <a:ext cx="659718" cy="769441"/>
-          </a:xfrm>
-          <a:prstGeom prst="rect">
-            <a:avLst/>
-          </a:prstGeom>
-          <a:noFill/>
-        </p:spPr>
-        <p:txBody>
-          <a:bodyPr wrap="square" rtlCol="0">
-            <a:spAutoFit/>
-          </a:bodyPr>
-          <a:lstStyle/>
-          <a:p>
-            <a:r>
-              <a:rPr lang="en-US" sz="4400" b="1" dirty="0">
-                <a:solidFill>
-                  <a:srgbClr val="660033"/>
-                </a:solidFill>
-              </a:rPr>
-              <a:t>3</a:t>
-            </a:r>
-            <a:r>
-              <a:rPr lang="en-US" sz="4400" b="1" dirty="0" smtClean="0">
-                <a:solidFill>
-                  <a:srgbClr val="660033"/>
-                </a:solidFill>
-              </a:rPr>
-              <a:t>.</a:t>
-            </a:r>
-            <a:endParaRPr lang="vi-VN" sz="4400" b="1" dirty="0">
-              <a:solidFill>
-                <a:srgbClr val="660033"/>
-              </a:solidFill>
             </a:endParaRPr>
           </a:p>
         </p:txBody>
@@ -4338,13 +4344,20 @@
     </p:spTree>
     <p:extLst>
       <p:ext uri="{BB962C8B-B14F-4D97-AF65-F5344CB8AC3E}">
-        <p14:creationId xmlns:p14="http://schemas.microsoft.com/office/powerpoint/2010/main" val="2270809156"/>
+        <p14:creationId xmlns:p14="http://schemas.microsoft.com/office/powerpoint/2010/main" val="2555066030"/>
       </p:ext>
     </p:extLst>
   </p:cSld>
   <p:clrMapOvr>
     <a:masterClrMapping/>
   </p:clrMapOvr>
+  <p:timing>
+    <p:tnLst>
+      <p:par>
+        <p:cTn id="1" dur="indefinite" restart="never" nodeType="tmRoot"/>
+      </p:par>
+    </p:tnLst>
+  </p:timing>
 </p:sld>
 </file>
 
@@ -4367,37 +4380,60 @@
       </p:grpSpPr>
       <p:sp>
         <p:nvSpPr>
-          <p:cNvPr id="2" name="Title 1">
-            <a:extLst>
-              <a:ext uri="{FF2B5EF4-FFF2-40B4-BE49-F238E27FC236}">
-                <a16:creationId xmlns:a16="http://schemas.microsoft.com/office/drawing/2014/main" id="{AF9FD075-AEC5-4137-94C0-C4C53556BC02}"/>
-              </a:ext>
-            </a:extLst>
-          </p:cNvPr>
-          <p:cNvSpPr>
-            <a:spLocks noGrp="1"/>
-          </p:cNvSpPr>
-          <p:nvPr>
-            <p:ph type="title"/>
-          </p:nvPr>
-        </p:nvSpPr>
-        <p:spPr/>
-        <p:txBody>
-          <a:bodyPr/>
-          <a:lstStyle/>
-          <a:p>
-            <a:pPr algn="ctr"/>
-            <a:r>
-              <a:rPr lang="zh-TW" altLang="en-US" b="1" dirty="0">
+          <p:cNvPr id="5" name="內容版面配置區 4"/>
+          <p:cNvSpPr>
+            <a:spLocks noGrp="1"/>
+          </p:cNvSpPr>
+          <p:nvPr>
+            <p:ph idx="1"/>
+          </p:nvPr>
+        </p:nvSpPr>
+        <p:spPr>
+          <a:xfrm>
+            <a:off x="0" y="1563639"/>
+            <a:ext cx="9144000" cy="1803647"/>
+          </a:xfrm>
+        </p:spPr>
+        <p:txBody>
+          <a:bodyPr anchor="ctr">
+            <a:normAutofit/>
+          </a:bodyPr>
+          <a:lstStyle/>
+          <a:p>
+            <a:pPr marL="0" indent="0" algn="ctr">
+              <a:buNone/>
+            </a:pPr>
+            <a:r>
+              <a:rPr lang="zh-TW" altLang="en-US" sz="4950" b="1" dirty="0">
                 <a:solidFill>
                   <a:srgbClr val="660033"/>
                 </a:solidFill>
                 <a:latin typeface="Microsoft JhengHei" panose="020B0604030504040204" pitchFamily="34" charset="-120"/>
                 <a:ea typeface="Microsoft JhengHei" panose="020B0604030504040204" pitchFamily="34" charset="-120"/>
               </a:rPr>
-              <a:t>永遠在我心裡</a:t>
-            </a:r>
-            <a:endParaRPr lang="en-US" b="1" dirty="0">
+              <a:t>普世界當讚美  </a:t>
+            </a:r>
+            <a:r>
+              <a:rPr lang="zh-TW" altLang="en-US" sz="4950" b="1" dirty="0">
+                <a:solidFill>
+                  <a:srgbClr val="660033"/>
+                </a:solidFill>
+                <a:latin typeface="Microsoft JhengHei" panose="020B0604030504040204" pitchFamily="34" charset="-120"/>
+                <a:ea typeface="Microsoft JhengHei" panose="020B0604030504040204" pitchFamily="34" charset="-120"/>
+              </a:rPr>
+              <a:t> 我</a:t>
+            </a:r>
+            <a:r>
+              <a:rPr lang="zh-TW" altLang="en-US" sz="4950" b="1" dirty="0">
+                <a:solidFill>
+                  <a:srgbClr val="660033"/>
+                </a:solidFill>
+                <a:latin typeface="Microsoft JhengHei" panose="020B0604030504040204" pitchFamily="34" charset="-120"/>
+                <a:ea typeface="Microsoft JhengHei" panose="020B0604030504040204" pitchFamily="34" charset="-120"/>
+              </a:rPr>
+              <a:t>救主大君王</a:t>
+            </a:r>
+            <a:endParaRPr lang="en-US" altLang="zh-TW" sz="4950" b="1" dirty="0">
               <a:solidFill>
                 <a:srgbClr val="660033"/>
               </a:solidFill>
@@ -4405,129 +4441,65 @@
               <a:ea typeface="Microsoft JhengHei" panose="020B0604030504040204" pitchFamily="34" charset="-120"/>
             </a:endParaRPr>
           </a:p>
-        </p:txBody>
-      </p:sp>
-      <p:sp>
-        <p:nvSpPr>
-          <p:cNvPr id="3" name="Content Placeholder 2">
-            <a:extLst>
-              <a:ext uri="{FF2B5EF4-FFF2-40B4-BE49-F238E27FC236}">
-                <a16:creationId xmlns:a16="http://schemas.microsoft.com/office/drawing/2014/main" id="{D8B275D4-3DA6-4D2A-BF50-7BDA9D9CE988}"/>
-              </a:ext>
-            </a:extLst>
-          </p:cNvPr>
-          <p:cNvSpPr>
-            <a:spLocks noGrp="1"/>
-          </p:cNvSpPr>
-          <p:nvPr>
-            <p:ph idx="1"/>
-          </p:nvPr>
-        </p:nvSpPr>
-        <p:spPr>
-          <a:xfrm>
-            <a:off x="0" y="1369218"/>
-            <a:ext cx="9144000" cy="3263504"/>
-          </a:xfrm>
-        </p:spPr>
-        <p:txBody>
-          <a:bodyPr>
-            <a:noAutofit/>
-          </a:bodyPr>
-          <a:lstStyle/>
           <a:p>
             <a:pPr marL="0" indent="0" algn="ctr">
               <a:buNone/>
             </a:pPr>
             <a:r>
-              <a:rPr lang="zh-TW" altLang="en-US" sz="4800" b="1" dirty="0">
+              <a:rPr lang="zh-TW" altLang="en-US" sz="4950" b="1" dirty="0">
                 <a:solidFill>
                   <a:srgbClr val="660033"/>
                 </a:solidFill>
                 <a:latin typeface="Microsoft JhengHei" panose="020B0604030504040204" pitchFamily="34" charset="-120"/>
                 <a:ea typeface="Microsoft JhengHei" panose="020B0604030504040204" pitchFamily="34" charset="-120"/>
-                <a:cs typeface="+mj-cs"/>
               </a:rPr>
-              <a:t>永遠在我心裡   耶穌屬我</a:t>
-            </a:r>
-            <a:endParaRPr lang="en-US" altLang="zh-TW" sz="4800" b="1" dirty="0">
+              <a:t>這平安便入你心間</a:t>
+            </a:r>
+            <a:endParaRPr lang="en-US" altLang="zh-TW" sz="4950" b="1" dirty="0">
               <a:solidFill>
                 <a:srgbClr val="660033"/>
               </a:solidFill>
               <a:latin typeface="Microsoft JhengHei" panose="020B0604030504040204" pitchFamily="34" charset="-120"/>
               <a:ea typeface="Microsoft JhengHei" panose="020B0604030504040204" pitchFamily="34" charset="-120"/>
-              <a:cs typeface="+mj-cs"/>
             </a:endParaRPr>
           </a:p>
-          <a:p>
-            <a:pPr marL="0" indent="0" algn="ctr">
-              <a:buNone/>
-            </a:pPr>
-            <a:r>
-              <a:rPr lang="zh-TW" altLang="en-US" sz="4800" b="1" dirty="0">
+        </p:txBody>
+      </p:sp>
+      <p:sp>
+        <p:nvSpPr>
+          <p:cNvPr id="3" name="TextBox 2"/>
+          <p:cNvSpPr txBox="1"/>
+          <p:nvPr/>
+        </p:nvSpPr>
+        <p:spPr>
+          <a:xfrm>
+            <a:off x="0" y="3795887"/>
+            <a:ext cx="9144000" cy="646331"/>
+          </a:xfrm>
+          <a:prstGeom prst="rect">
+            <a:avLst/>
+          </a:prstGeom>
+          <a:noFill/>
+        </p:spPr>
+        <p:txBody>
+          <a:bodyPr wrap="square" rtlCol="0">
+            <a:spAutoFit/>
+          </a:bodyPr>
+          <a:lstStyle/>
+          <a:p>
+            <a:pPr algn="ctr"/>
+            <a:r>
+              <a:rPr lang="en-US" sz="3600" b="1" dirty="0">
                 <a:solidFill>
                   <a:srgbClr val="660033"/>
                 </a:solidFill>
-                <a:latin typeface="Microsoft JhengHei" panose="020B0604030504040204" pitchFamily="34" charset="-120"/>
-                <a:ea typeface="Microsoft JhengHei" panose="020B0604030504040204" pitchFamily="34" charset="-120"/>
-                <a:cs typeface="+mj-cs"/>
               </a:rPr>
-              <a:t>永遠在我心裡   無上快樂</a:t>
-            </a:r>
-            <a:endParaRPr lang="en-US" altLang="zh-TW" sz="4800" b="1" dirty="0">
+              <a:t>( 2 )</a:t>
+            </a:r>
+            <a:endParaRPr lang="vi-VN" sz="3600" b="1" dirty="0">
               <a:solidFill>
                 <a:srgbClr val="660033"/>
               </a:solidFill>
-              <a:latin typeface="Microsoft JhengHei" panose="020B0604030504040204" pitchFamily="34" charset="-120"/>
-              <a:ea typeface="Microsoft JhengHei" panose="020B0604030504040204" pitchFamily="34" charset="-120"/>
-              <a:cs typeface="+mj-cs"/>
-            </a:endParaRPr>
-          </a:p>
-          <a:p>
-            <a:pPr marL="0" indent="0" algn="ctr">
-              <a:buNone/>
-            </a:pPr>
-            <a:r>
-              <a:rPr lang="zh-TW" altLang="en-US" sz="4800" b="1" dirty="0">
-                <a:solidFill>
-                  <a:srgbClr val="660033"/>
-                </a:solidFill>
-                <a:latin typeface="Microsoft JhengHei" panose="020B0604030504040204" pitchFamily="34" charset="-120"/>
-                <a:ea typeface="Microsoft JhengHei" panose="020B0604030504040204" pitchFamily="34" charset="-120"/>
-                <a:cs typeface="+mj-cs"/>
-              </a:rPr>
-              <a:t>主云總不撇下你   慈聲對你說</a:t>
-            </a:r>
-            <a:endParaRPr lang="en-US" altLang="zh-TW" sz="4800" b="1" dirty="0">
-              <a:solidFill>
-                <a:srgbClr val="660033"/>
-              </a:solidFill>
-              <a:latin typeface="Microsoft JhengHei" panose="020B0604030504040204" pitchFamily="34" charset="-120"/>
-              <a:ea typeface="Microsoft JhengHei" panose="020B0604030504040204" pitchFamily="34" charset="-120"/>
-              <a:cs typeface="+mj-cs"/>
-            </a:endParaRPr>
-          </a:p>
-          <a:p>
-            <a:pPr marL="0" indent="0" algn="ctr">
-              <a:buNone/>
-            </a:pPr>
-            <a:r>
-              <a:rPr lang="zh-TW" altLang="en-US" sz="4800" b="1" dirty="0">
-                <a:solidFill>
-                  <a:srgbClr val="660033"/>
-                </a:solidFill>
-                <a:latin typeface="Microsoft JhengHei" panose="020B0604030504040204" pitchFamily="34" charset="-120"/>
-                <a:ea typeface="Microsoft JhengHei" panose="020B0604030504040204" pitchFamily="34" charset="-120"/>
-                <a:cs typeface="+mj-cs"/>
-              </a:rPr>
-              <a:t>我總不離開你   耶穌屬我</a:t>
-            </a:r>
-            <a:endParaRPr lang="en-US" sz="4800" b="1" dirty="0">
-              <a:solidFill>
-                <a:srgbClr val="660033"/>
-              </a:solidFill>
-              <a:latin typeface="Microsoft JhengHei" panose="020B0604030504040204" pitchFamily="34" charset="-120"/>
-              <a:ea typeface="Microsoft JhengHei" panose="020B0604030504040204" pitchFamily="34" charset="-120"/>
-              <a:cs typeface="+mj-cs"/>
             </a:endParaRPr>
           </a:p>
         </p:txBody>
@@ -4535,13 +4507,371 @@
     </p:spTree>
     <p:extLst>
       <p:ext uri="{BB962C8B-B14F-4D97-AF65-F5344CB8AC3E}">
-        <p14:creationId xmlns:p14="http://schemas.microsoft.com/office/powerpoint/2010/main" val="1177035420"/>
+        <p14:creationId xmlns:p14="http://schemas.microsoft.com/office/powerpoint/2010/main" val="4171577481"/>
       </p:ext>
     </p:extLst>
   </p:cSld>
   <p:clrMapOvr>
     <a:masterClrMapping/>
   </p:clrMapOvr>
+  <p:timing>
+    <p:tnLst>
+      <p:par>
+        <p:cTn id="1" dur="indefinite" restart="never" nodeType="tmRoot"/>
+      </p:par>
+    </p:tnLst>
+  </p:timing>
+</p:sld>
+</file>
+
+<file path=ppt/slides/slide7.xml><?xml version="1.0" encoding="utf-8"?>
+<p:sld xmlns:a="http://schemas.openxmlformats.org/drawingml/2006/main" xmlns:r="http://schemas.openxmlformats.org/officeDocument/2006/relationships" xmlns:p="http://schemas.openxmlformats.org/presentationml/2006/main">
+  <p:cSld>
+    <p:spTree>
+      <p:nvGrpSpPr>
+        <p:cNvPr id="1" name=""/>
+        <p:cNvGrpSpPr/>
+        <p:nvPr/>
+      </p:nvGrpSpPr>
+      <p:grpSpPr>
+        <a:xfrm>
+          <a:off x="0" y="0"/>
+          <a:ext cx="0" cy="0"/>
+          <a:chOff x="0" y="0"/>
+          <a:chExt cx="0" cy="0"/>
+        </a:xfrm>
+      </p:grpSpPr>
+      <p:sp>
+        <p:nvSpPr>
+          <p:cNvPr id="5" name="內容版面配置區 4"/>
+          <p:cNvSpPr>
+            <a:spLocks noGrp="1"/>
+          </p:cNvSpPr>
+          <p:nvPr>
+            <p:ph idx="1"/>
+          </p:nvPr>
+        </p:nvSpPr>
+        <p:spPr>
+          <a:xfrm>
+            <a:off x="0" y="1563639"/>
+            <a:ext cx="9144000" cy="1803647"/>
+          </a:xfrm>
+        </p:spPr>
+        <p:txBody>
+          <a:bodyPr anchor="ctr">
+            <a:normAutofit/>
+          </a:bodyPr>
+          <a:lstStyle/>
+          <a:p>
+            <a:pPr marL="0" indent="0" algn="ctr">
+              <a:buNone/>
+            </a:pPr>
+            <a:r>
+              <a:rPr lang="zh-TW" altLang="en-US" sz="4950" b="1" dirty="0">
+                <a:solidFill>
+                  <a:srgbClr val="660033"/>
+                </a:solidFill>
+                <a:latin typeface="Microsoft JhengHei" panose="020B0604030504040204" pitchFamily="34" charset="-120"/>
+                <a:ea typeface="Microsoft JhengHei" panose="020B0604030504040204" pitchFamily="34" charset="-120"/>
+              </a:rPr>
+              <a:t>諸愁苦皆飛去將陰沉變輝煌</a:t>
+            </a:r>
+            <a:endParaRPr lang="en-US" altLang="zh-TW" sz="4950" b="1" dirty="0">
+              <a:solidFill>
+                <a:srgbClr val="660033"/>
+              </a:solidFill>
+              <a:latin typeface="Microsoft JhengHei" panose="020B0604030504040204" pitchFamily="34" charset="-120"/>
+              <a:ea typeface="Microsoft JhengHei" panose="020B0604030504040204" pitchFamily="34" charset="-120"/>
+            </a:endParaRPr>
+          </a:p>
+          <a:p>
+            <a:pPr marL="0" indent="0" algn="ctr">
+              <a:buNone/>
+            </a:pPr>
+            <a:r>
+              <a:rPr lang="zh-TW" altLang="en-US" sz="4950" b="1" dirty="0">
+                <a:solidFill>
+                  <a:srgbClr val="660033"/>
+                </a:solidFill>
+                <a:latin typeface="Microsoft JhengHei" panose="020B0604030504040204" pitchFamily="34" charset="-120"/>
+                <a:ea typeface="Microsoft JhengHei" panose="020B0604030504040204" pitchFamily="34" charset="-120"/>
+              </a:rPr>
+              <a:t>萬福我耶穌萬民之光</a:t>
+            </a:r>
+            <a:endParaRPr lang="en-US" sz="4950" b="1" dirty="0">
+              <a:solidFill>
+                <a:srgbClr val="660033"/>
+              </a:solidFill>
+              <a:latin typeface="Microsoft JhengHei" panose="020B0604030504040204" pitchFamily="34" charset="-120"/>
+              <a:ea typeface="Microsoft JhengHei" panose="020B0604030504040204" pitchFamily="34" charset="-120"/>
+            </a:endParaRPr>
+          </a:p>
+        </p:txBody>
+      </p:sp>
+      <p:sp>
+        <p:nvSpPr>
+          <p:cNvPr id="3" name="TextBox 2"/>
+          <p:cNvSpPr txBox="1"/>
+          <p:nvPr/>
+        </p:nvSpPr>
+        <p:spPr>
+          <a:xfrm>
+            <a:off x="0" y="3795887"/>
+            <a:ext cx="9144000" cy="646331"/>
+          </a:xfrm>
+          <a:prstGeom prst="rect">
+            <a:avLst/>
+          </a:prstGeom>
+          <a:noFill/>
+        </p:spPr>
+        <p:txBody>
+          <a:bodyPr wrap="square" rtlCol="0">
+            <a:spAutoFit/>
+          </a:bodyPr>
+          <a:lstStyle/>
+          <a:p>
+            <a:pPr algn="ctr"/>
+            <a:r>
+              <a:rPr lang="en-US" sz="3600" b="1" dirty="0">
+                <a:solidFill>
+                  <a:srgbClr val="660033"/>
+                </a:solidFill>
+              </a:rPr>
+              <a:t>( 2 )</a:t>
+            </a:r>
+            <a:endParaRPr lang="vi-VN" sz="3600" b="1" dirty="0">
+              <a:solidFill>
+                <a:srgbClr val="660033"/>
+              </a:solidFill>
+            </a:endParaRPr>
+          </a:p>
+        </p:txBody>
+      </p:sp>
+    </p:spTree>
+    <p:extLst>
+      <p:ext uri="{BB962C8B-B14F-4D97-AF65-F5344CB8AC3E}">
+        <p14:creationId xmlns:p14="http://schemas.microsoft.com/office/powerpoint/2010/main" val="1395274739"/>
+      </p:ext>
+    </p:extLst>
+  </p:cSld>
+  <p:clrMapOvr>
+    <a:masterClrMapping/>
+  </p:clrMapOvr>
+  <p:timing>
+    <p:tnLst>
+      <p:par>
+        <p:cTn id="1" dur="indefinite" restart="never" nodeType="tmRoot"/>
+      </p:par>
+    </p:tnLst>
+  </p:timing>
+</p:sld>
+</file>
+
+<file path=ppt/slides/slide8.xml><?xml version="1.0" encoding="utf-8"?>
+<p:sld xmlns:a="http://schemas.openxmlformats.org/drawingml/2006/main" xmlns:r="http://schemas.openxmlformats.org/officeDocument/2006/relationships" xmlns:p="http://schemas.openxmlformats.org/presentationml/2006/main">
+  <p:cSld>
+    <p:spTree>
+      <p:nvGrpSpPr>
+        <p:cNvPr id="1" name=""/>
+        <p:cNvGrpSpPr/>
+        <p:nvPr/>
+      </p:nvGrpSpPr>
+      <p:grpSpPr>
+        <a:xfrm>
+          <a:off x="0" y="0"/>
+          <a:ext cx="0" cy="0"/>
+          <a:chOff x="0" y="0"/>
+          <a:chExt cx="0" cy="0"/>
+        </a:xfrm>
+      </p:grpSpPr>
+      <p:sp>
+        <p:nvSpPr>
+          <p:cNvPr id="5" name="內容版面配置區 4"/>
+          <p:cNvSpPr>
+            <a:spLocks noGrp="1"/>
+          </p:cNvSpPr>
+          <p:nvPr>
+            <p:ph idx="1"/>
+          </p:nvPr>
+        </p:nvSpPr>
+        <p:spPr>
+          <a:xfrm>
+            <a:off x="0" y="1563639"/>
+            <a:ext cx="9144000" cy="1803647"/>
+          </a:xfrm>
+        </p:spPr>
+        <p:txBody>
+          <a:bodyPr anchor="ctr">
+            <a:normAutofit/>
+          </a:bodyPr>
+          <a:lstStyle/>
+          <a:p>
+            <a:pPr marL="0" indent="0" algn="ctr">
+              <a:buNone/>
+            </a:pPr>
+            <a:r>
+              <a:rPr lang="zh-TW" altLang="en-US" sz="4950" b="1" dirty="0">
+                <a:solidFill>
+                  <a:srgbClr val="660033"/>
+                </a:solidFill>
+                <a:latin typeface="Microsoft JhengHei" panose="020B0604030504040204" pitchFamily="34" charset="-120"/>
+                <a:ea typeface="Microsoft JhengHei" panose="020B0604030504040204" pitchFamily="34" charset="-120"/>
+              </a:rPr>
+              <a:t>永遠在我心裡   耶穌屬我</a:t>
+            </a:r>
+            <a:endParaRPr lang="en-US" altLang="zh-TW" sz="4950" b="1" dirty="0">
+              <a:solidFill>
+                <a:srgbClr val="660033"/>
+              </a:solidFill>
+              <a:latin typeface="Microsoft JhengHei" panose="020B0604030504040204" pitchFamily="34" charset="-120"/>
+              <a:ea typeface="Microsoft JhengHei" panose="020B0604030504040204" pitchFamily="34" charset="-120"/>
+            </a:endParaRPr>
+          </a:p>
+          <a:p>
+            <a:pPr marL="0" indent="0" algn="ctr">
+              <a:buNone/>
+            </a:pPr>
+            <a:r>
+              <a:rPr lang="zh-TW" altLang="en-US" sz="4950" b="1" dirty="0">
+                <a:solidFill>
+                  <a:srgbClr val="660033"/>
+                </a:solidFill>
+                <a:latin typeface="Microsoft JhengHei" panose="020B0604030504040204" pitchFamily="34" charset="-120"/>
+                <a:ea typeface="Microsoft JhengHei" panose="020B0604030504040204" pitchFamily="34" charset="-120"/>
+              </a:rPr>
+              <a:t>永遠在我心裡   無上快樂</a:t>
+            </a:r>
+            <a:endParaRPr lang="en-US" altLang="zh-TW" sz="4950" b="1" dirty="0">
+              <a:solidFill>
+                <a:srgbClr val="660033"/>
+              </a:solidFill>
+              <a:latin typeface="Microsoft JhengHei" panose="020B0604030504040204" pitchFamily="34" charset="-120"/>
+              <a:ea typeface="Microsoft JhengHei" panose="020B0604030504040204" pitchFamily="34" charset="-120"/>
+            </a:endParaRPr>
+          </a:p>
+        </p:txBody>
+      </p:sp>
+    </p:spTree>
+    <p:extLst>
+      <p:ext uri="{BB962C8B-B14F-4D97-AF65-F5344CB8AC3E}">
+        <p14:creationId xmlns:p14="http://schemas.microsoft.com/office/powerpoint/2010/main" val="624709291"/>
+      </p:ext>
+    </p:extLst>
+  </p:cSld>
+  <p:clrMapOvr>
+    <a:masterClrMapping/>
+  </p:clrMapOvr>
+  <p:timing>
+    <p:tnLst>
+      <p:par>
+        <p:cTn id="1" dur="indefinite" restart="never" nodeType="tmRoot"/>
+      </p:par>
+    </p:tnLst>
+  </p:timing>
+</p:sld>
+</file>
+
+<file path=ppt/slides/slide9.xml><?xml version="1.0" encoding="utf-8"?>
+<p:sld xmlns:a="http://schemas.openxmlformats.org/drawingml/2006/main" xmlns:r="http://schemas.openxmlformats.org/officeDocument/2006/relationships" xmlns:p="http://schemas.openxmlformats.org/presentationml/2006/main">
+  <p:cSld>
+    <p:spTree>
+      <p:nvGrpSpPr>
+        <p:cNvPr id="1" name=""/>
+        <p:cNvGrpSpPr/>
+        <p:nvPr/>
+      </p:nvGrpSpPr>
+      <p:grpSpPr>
+        <a:xfrm>
+          <a:off x="0" y="0"/>
+          <a:ext cx="0" cy="0"/>
+          <a:chOff x="0" y="0"/>
+          <a:chExt cx="0" cy="0"/>
+        </a:xfrm>
+      </p:grpSpPr>
+      <p:sp>
+        <p:nvSpPr>
+          <p:cNvPr id="5" name="內容版面配置區 4"/>
+          <p:cNvSpPr>
+            <a:spLocks noGrp="1"/>
+          </p:cNvSpPr>
+          <p:nvPr>
+            <p:ph idx="1"/>
+          </p:nvPr>
+        </p:nvSpPr>
+        <p:spPr>
+          <a:xfrm>
+            <a:off x="0" y="1563639"/>
+            <a:ext cx="9144000" cy="1803647"/>
+          </a:xfrm>
+        </p:spPr>
+        <p:txBody>
+          <a:bodyPr anchor="ctr">
+            <a:normAutofit/>
+          </a:bodyPr>
+          <a:lstStyle/>
+          <a:p>
+            <a:pPr marL="0" indent="0" algn="ctr">
+              <a:buNone/>
+            </a:pPr>
+            <a:r>
+              <a:rPr lang="zh-TW" altLang="en-US" sz="4950" b="1" dirty="0">
+                <a:solidFill>
+                  <a:srgbClr val="660033"/>
+                </a:solidFill>
+                <a:latin typeface="Microsoft JhengHei" panose="020B0604030504040204" pitchFamily="34" charset="-120"/>
+                <a:ea typeface="Microsoft JhengHei" panose="020B0604030504040204" pitchFamily="34" charset="-120"/>
+              </a:rPr>
+              <a:t>主云總不撇下你   慈聲對你說</a:t>
+            </a:r>
+            <a:endParaRPr lang="en-US" altLang="zh-TW" sz="4950" b="1" dirty="0">
+              <a:solidFill>
+                <a:srgbClr val="660033"/>
+              </a:solidFill>
+              <a:latin typeface="Microsoft JhengHei" panose="020B0604030504040204" pitchFamily="34" charset="-120"/>
+              <a:ea typeface="Microsoft JhengHei" panose="020B0604030504040204" pitchFamily="34" charset="-120"/>
+            </a:endParaRPr>
+          </a:p>
+          <a:p>
+            <a:pPr marL="0" indent="0" algn="ctr">
+              <a:buNone/>
+            </a:pPr>
+            <a:r>
+              <a:rPr lang="zh-TW" altLang="en-US" sz="4950" b="1" dirty="0">
+                <a:solidFill>
+                  <a:srgbClr val="660033"/>
+                </a:solidFill>
+                <a:latin typeface="Microsoft JhengHei" panose="020B0604030504040204" pitchFamily="34" charset="-120"/>
+                <a:ea typeface="Microsoft JhengHei" panose="020B0604030504040204" pitchFamily="34" charset="-120"/>
+              </a:rPr>
+              <a:t>我總不離開你   耶穌屬我</a:t>
+            </a:r>
+            <a:endParaRPr lang="en-US" sz="4950" b="1" dirty="0">
+              <a:solidFill>
+                <a:srgbClr val="660033"/>
+              </a:solidFill>
+              <a:latin typeface="Microsoft JhengHei" panose="020B0604030504040204" pitchFamily="34" charset="-120"/>
+              <a:ea typeface="Microsoft JhengHei" panose="020B0604030504040204" pitchFamily="34" charset="-120"/>
+            </a:endParaRPr>
+          </a:p>
+        </p:txBody>
+      </p:sp>
+    </p:spTree>
+    <p:extLst>
+      <p:ext uri="{BB962C8B-B14F-4D97-AF65-F5344CB8AC3E}">
+        <p14:creationId xmlns:p14="http://schemas.microsoft.com/office/powerpoint/2010/main" val="79608924"/>
+      </p:ext>
+    </p:extLst>
+  </p:cSld>
+  <p:clrMapOvr>
+    <a:masterClrMapping/>
+  </p:clrMapOvr>
+  <p:timing>
+    <p:tnLst>
+      <p:par>
+        <p:cTn id="1" dur="indefinite" restart="never" nodeType="tmRoot"/>
+      </p:par>
+    </p:tnLst>
+  </p:timing>
 </p:sld>
 </file>
 
